--- a/DMDD_Project_ Presentation_Final.pptx
+++ b/DMDD_Project_ Presentation_Final.pptx
@@ -9151,267 +9151,463 @@
           </a:p>
         </p:txBody>
       </p:sp>
-      <p:sp>
-        <p:nvSpPr>
-          <p:cNvPr id="3" name="Content Placeholder 2">
+      <p:graphicFrame>
+        <p:nvGraphicFramePr>
+          <p:cNvPr id="6" name="Content Placeholder 5">
             <a:extLst>
               <a:ext uri="{FF2B5EF4-FFF2-40B4-BE49-F238E27FC236}">
-                <a16:creationId xmlns:a16="http://schemas.microsoft.com/office/drawing/2014/main" id="{A8DFBE35-C701-0B6A-644F-04073160AF8F}"/>
+                <a16:creationId xmlns:a16="http://schemas.microsoft.com/office/drawing/2014/main" id="{27FE9521-51EC-D343-744C-C6CD1226DCE7}"/>
               </a:ext>
             </a:extLst>
           </p:cNvPr>
-          <p:cNvSpPr>
-            <a:spLocks noGrp="1"/>
-          </p:cNvSpPr>
+          <p:cNvGraphicFramePr>
+            <a:graphicFrameLocks noGrp="1"/>
+          </p:cNvGraphicFramePr>
           <p:nvPr>
             <p:ph idx="1"/>
+            <p:extLst>
+              <p:ext uri="{D42A27DB-BD31-4B8C-83A1-F6EECF244321}">
+                <p14:modId xmlns:p14="http://schemas.microsoft.com/office/powerpoint/2010/main" val="1787177210"/>
+              </p:ext>
+            </p:extLst>
           </p:nvPr>
-        </p:nvSpPr>
-        <p:spPr/>
-        <p:txBody>
-          <a:bodyPr>
-            <a:normAutofit/>
-          </a:bodyPr>
-          <a:lstStyle/>
-          <a:p>
-            <a:pPr indent="0" algn="just">
-              <a:spcBef>
-                <a:spcPts val="0"/>
-              </a:spcBef>
-              <a:buNone/>
-            </a:pPr>
-            <a:endParaRPr lang="en-US" sz="1800" kern="100" dirty="0">
-              <a:effectLst/>
-              <a:latin typeface="Times New Roman" panose="02020603050405020304" pitchFamily="18" charset="0"/>
-              <a:ea typeface="Aptos" panose="020B0004020202020204" pitchFamily="34" charset="0"/>
-              <a:cs typeface="Times New Roman" panose="02020603050405020304" pitchFamily="18" charset="0"/>
-            </a:endParaRPr>
-          </a:p>
-          <a:p>
-            <a:pPr marL="514350" indent="-285750" algn="just">
-              <a:spcBef>
-                <a:spcPts val="0"/>
-              </a:spcBef>
-            </a:pPr>
-            <a:r>
-              <a:rPr lang="en-US" sz="1800" kern="100" dirty="0" err="1">
-                <a:latin typeface="Times New Roman" panose="02020603050405020304" pitchFamily="18" charset="0"/>
-                <a:ea typeface="Aptos" panose="020B0004020202020204" pitchFamily="34" charset="0"/>
-                <a:cs typeface="Times New Roman" panose="02020603050405020304" pitchFamily="18" charset="0"/>
-              </a:rPr>
-              <a:t>Stock_level_View</a:t>
-            </a:r>
-            <a:r>
-              <a:rPr lang="en-US" sz="1800" kern="100" dirty="0">
-                <a:latin typeface="Times New Roman" panose="02020603050405020304" pitchFamily="18" charset="0"/>
-                <a:ea typeface="Aptos" panose="020B0004020202020204" pitchFamily="34" charset="0"/>
-                <a:cs typeface="Times New Roman" panose="02020603050405020304" pitchFamily="18" charset="0"/>
-              </a:rPr>
-              <a:t> – Shows stock levels of products in each warehouse.</a:t>
-            </a:r>
-          </a:p>
-          <a:p>
-            <a:pPr marL="514350" indent="-285750" algn="just">
-              <a:spcBef>
-                <a:spcPts val="0"/>
-              </a:spcBef>
-            </a:pPr>
-            <a:endParaRPr lang="en-US" sz="1800" kern="100" dirty="0">
-              <a:latin typeface="Times New Roman" panose="02020603050405020304" pitchFamily="18" charset="0"/>
-              <a:ea typeface="Aptos" panose="020B0004020202020204" pitchFamily="34" charset="0"/>
-              <a:cs typeface="Times New Roman" panose="02020603050405020304" pitchFamily="18" charset="0"/>
-            </a:endParaRPr>
-          </a:p>
-          <a:p>
-            <a:pPr marL="514350" indent="-285750" algn="just">
-              <a:spcBef>
-                <a:spcPts val="0"/>
-              </a:spcBef>
-            </a:pPr>
-            <a:r>
-              <a:rPr lang="en-US" sz="1800" kern="100" dirty="0" err="1">
-                <a:latin typeface="Times New Roman" panose="02020603050405020304" pitchFamily="18" charset="0"/>
-                <a:ea typeface="Aptos" panose="020B0004020202020204" pitchFamily="34" charset="0"/>
-                <a:cs typeface="Times New Roman" panose="02020603050405020304" pitchFamily="18" charset="0"/>
-              </a:rPr>
-              <a:t>Order_Summary_View</a:t>
-            </a:r>
-            <a:r>
-              <a:rPr lang="en-US" sz="1800" kern="100" dirty="0">
-                <a:latin typeface="Times New Roman" panose="02020603050405020304" pitchFamily="18" charset="0"/>
-                <a:ea typeface="Aptos" panose="020B0004020202020204" pitchFamily="34" charset="0"/>
-                <a:cs typeface="Times New Roman" panose="02020603050405020304" pitchFamily="18" charset="0"/>
-              </a:rPr>
-              <a:t> – Provides an overview of customer orders with customer and warehouse information.</a:t>
-            </a:r>
-          </a:p>
-          <a:p>
-            <a:pPr marL="514350" indent="-285750" algn="just">
-              <a:spcBef>
-                <a:spcPts val="0"/>
-              </a:spcBef>
-            </a:pPr>
-            <a:endParaRPr lang="en-US" sz="1800" kern="100" dirty="0">
-              <a:latin typeface="Times New Roman" panose="02020603050405020304" pitchFamily="18" charset="0"/>
-              <a:ea typeface="Aptos" panose="020B0004020202020204" pitchFamily="34" charset="0"/>
-              <a:cs typeface="Times New Roman" panose="02020603050405020304" pitchFamily="18" charset="0"/>
-            </a:endParaRPr>
-          </a:p>
-          <a:p>
-            <a:pPr marL="514350" indent="-285750" algn="just">
-              <a:spcBef>
-                <a:spcPts val="0"/>
-              </a:spcBef>
-            </a:pPr>
-            <a:r>
-              <a:rPr lang="en-US" sz="1800" kern="100" dirty="0" err="1">
-                <a:latin typeface="Times New Roman" panose="02020603050405020304" pitchFamily="18" charset="0"/>
-                <a:ea typeface="Aptos" panose="020B0004020202020204" pitchFamily="34" charset="0"/>
-                <a:cs typeface="Times New Roman" panose="02020603050405020304" pitchFamily="18" charset="0"/>
-              </a:rPr>
-              <a:t>Supplier_Product_Info_View</a:t>
-            </a:r>
-            <a:r>
-              <a:rPr lang="en-US" sz="1800" kern="100" dirty="0">
-                <a:latin typeface="Times New Roman" panose="02020603050405020304" pitchFamily="18" charset="0"/>
-                <a:ea typeface="Aptos" panose="020B0004020202020204" pitchFamily="34" charset="0"/>
-                <a:cs typeface="Times New Roman" panose="02020603050405020304" pitchFamily="18" charset="0"/>
-              </a:rPr>
-              <a:t> – Lists suppliers, products, pricing and lead time. </a:t>
-            </a:r>
-          </a:p>
-          <a:p>
-            <a:pPr marL="514350" indent="-285750" algn="just">
-              <a:spcBef>
-                <a:spcPts val="0"/>
-              </a:spcBef>
-            </a:pPr>
-            <a:endParaRPr lang="en-US" sz="1800" kern="100" dirty="0">
-              <a:latin typeface="Times New Roman" panose="02020603050405020304" pitchFamily="18" charset="0"/>
-              <a:ea typeface="Aptos" panose="020B0004020202020204" pitchFamily="34" charset="0"/>
-              <a:cs typeface="Times New Roman" panose="02020603050405020304" pitchFamily="18" charset="0"/>
-            </a:endParaRPr>
-          </a:p>
-          <a:p>
-            <a:pPr marL="514350" indent="-285750" algn="just">
-              <a:spcBef>
-                <a:spcPts val="0"/>
-              </a:spcBef>
-            </a:pPr>
-            <a:r>
-              <a:rPr lang="en-US" sz="1800" kern="100" dirty="0" err="1">
-                <a:latin typeface="Times New Roman" panose="02020603050405020304" pitchFamily="18" charset="0"/>
-                <a:ea typeface="Aptos" panose="020B0004020202020204" pitchFamily="34" charset="0"/>
-                <a:cs typeface="Times New Roman" panose="02020603050405020304" pitchFamily="18" charset="0"/>
-              </a:rPr>
-              <a:t>Inventory_Transfer_Hiostory_View</a:t>
-            </a:r>
-            <a:r>
-              <a:rPr lang="en-US" sz="1800" kern="100" dirty="0">
-                <a:latin typeface="Times New Roman" panose="02020603050405020304" pitchFamily="18" charset="0"/>
-                <a:ea typeface="Aptos" panose="020B0004020202020204" pitchFamily="34" charset="0"/>
-                <a:cs typeface="Times New Roman" panose="02020603050405020304" pitchFamily="18" charset="0"/>
-              </a:rPr>
-              <a:t> – Provides history of product transfers between warehouses.</a:t>
-            </a:r>
-          </a:p>
-          <a:p>
-            <a:pPr marL="514350" indent="-285750" algn="just">
-              <a:spcBef>
-                <a:spcPts val="0"/>
-              </a:spcBef>
-            </a:pPr>
-            <a:endParaRPr lang="en-US" sz="1800" kern="100" dirty="0">
-              <a:latin typeface="Times New Roman" panose="02020603050405020304" pitchFamily="18" charset="0"/>
-              <a:ea typeface="Aptos" panose="020B0004020202020204" pitchFamily="34" charset="0"/>
-              <a:cs typeface="Times New Roman" panose="02020603050405020304" pitchFamily="18" charset="0"/>
-            </a:endParaRPr>
-          </a:p>
-          <a:p>
-            <a:pPr marL="514350" indent="-285750" algn="just">
-              <a:spcBef>
-                <a:spcPts val="0"/>
-              </a:spcBef>
-            </a:pPr>
-            <a:r>
-              <a:rPr lang="en-US" sz="1800" kern="100" dirty="0" err="1">
-                <a:latin typeface="Times New Roman" panose="02020603050405020304" pitchFamily="18" charset="0"/>
-                <a:ea typeface="Aptos" panose="020B0004020202020204" pitchFamily="34" charset="0"/>
-                <a:cs typeface="Times New Roman" panose="02020603050405020304" pitchFamily="18" charset="0"/>
-              </a:rPr>
-              <a:t>Customer_Order_Detail_View</a:t>
-            </a:r>
-            <a:r>
-              <a:rPr lang="en-US" sz="1800" kern="100" dirty="0">
-                <a:latin typeface="Times New Roman" panose="02020603050405020304" pitchFamily="18" charset="0"/>
-                <a:ea typeface="Aptos" panose="020B0004020202020204" pitchFamily="34" charset="0"/>
-                <a:cs typeface="Times New Roman" panose="02020603050405020304" pitchFamily="18" charset="0"/>
-              </a:rPr>
-              <a:t> – Displays details of each customer order with itemized products.</a:t>
-            </a:r>
-          </a:p>
-          <a:p>
-            <a:pPr marL="514350" indent="-285750" algn="just">
-              <a:spcBef>
-                <a:spcPts val="0"/>
-              </a:spcBef>
-            </a:pPr>
-            <a:endParaRPr lang="en-US" sz="1800" kern="100" dirty="0">
-              <a:latin typeface="Times New Roman" panose="02020603050405020304" pitchFamily="18" charset="0"/>
-              <a:ea typeface="Aptos" panose="020B0004020202020204" pitchFamily="34" charset="0"/>
-              <a:cs typeface="Times New Roman" panose="02020603050405020304" pitchFamily="18" charset="0"/>
-            </a:endParaRPr>
-          </a:p>
-          <a:p>
-            <a:pPr marL="514350" indent="-285750" algn="just">
-              <a:spcBef>
-                <a:spcPts val="0"/>
-              </a:spcBef>
-            </a:pPr>
-            <a:r>
-              <a:rPr lang="en-US" sz="1800" kern="100" dirty="0" err="1">
-                <a:latin typeface="Times New Roman" panose="02020603050405020304" pitchFamily="18" charset="0"/>
-                <a:ea typeface="Aptos" panose="020B0004020202020204" pitchFamily="34" charset="0"/>
-                <a:cs typeface="Times New Roman" panose="02020603050405020304" pitchFamily="18" charset="0"/>
-              </a:rPr>
-              <a:t>Stock_Reorder_View</a:t>
-            </a:r>
-            <a:r>
-              <a:rPr lang="en-US" sz="1800" kern="100" dirty="0">
-                <a:latin typeface="Times New Roman" panose="02020603050405020304" pitchFamily="18" charset="0"/>
-                <a:ea typeface="Aptos" panose="020B0004020202020204" pitchFamily="34" charset="0"/>
-                <a:cs typeface="Times New Roman" panose="02020603050405020304" pitchFamily="18" charset="0"/>
-              </a:rPr>
-              <a:t> – List of products that require reordering based on current stock levels across warehouses, highlighting the most critical shortages.</a:t>
-            </a:r>
-          </a:p>
-          <a:p>
-            <a:pPr marL="514350" indent="-285750" algn="just">
-              <a:spcBef>
-                <a:spcPts val="0"/>
-              </a:spcBef>
-            </a:pPr>
-            <a:endParaRPr lang="en-US" sz="1800" kern="100" dirty="0">
-              <a:latin typeface="Times New Roman" panose="02020603050405020304" pitchFamily="18" charset="0"/>
-              <a:ea typeface="Aptos" panose="020B0004020202020204" pitchFamily="34" charset="0"/>
-              <a:cs typeface="Times New Roman" panose="02020603050405020304" pitchFamily="18" charset="0"/>
-            </a:endParaRPr>
-          </a:p>
-          <a:p>
-            <a:pPr indent="0" algn="just">
-              <a:spcBef>
-                <a:spcPts val="0"/>
-              </a:spcBef>
-              <a:buNone/>
-            </a:pPr>
-            <a:endParaRPr lang="en-US" sz="1800" kern="100" dirty="0">
-              <a:latin typeface="Times New Roman" panose="02020603050405020304" pitchFamily="18" charset="0"/>
-              <a:ea typeface="Aptos" panose="020B0004020202020204" pitchFamily="34" charset="0"/>
-              <a:cs typeface="Times New Roman" panose="02020603050405020304" pitchFamily="18" charset="0"/>
-            </a:endParaRPr>
-          </a:p>
-        </p:txBody>
-      </p:sp>
+        </p:nvGraphicFramePr>
+        <p:xfrm>
+          <a:off x="838200" y="1825624"/>
+          <a:ext cx="10515600" cy="4351341"/>
+        </p:xfrm>
+        <a:graphic>
+          <a:graphicData uri="http://schemas.openxmlformats.org/drawingml/2006/table">
+            <a:tbl>
+              <a:tblPr>
+                <a:tableStyleId>{C4B1156A-380E-4F78-BDF5-A606A8083BF9}</a:tableStyleId>
+              </a:tblPr>
+              <a:tblGrid>
+                <a:gridCol w="3505200">
+                  <a:extLst>
+                    <a:ext uri="{9D8B030D-6E8A-4147-A177-3AD203B41FA5}">
+                      <a16:colId xmlns:a16="http://schemas.microsoft.com/office/drawing/2014/main" val="2044712195"/>
+                    </a:ext>
+                  </a:extLst>
+                </a:gridCol>
+                <a:gridCol w="3505200">
+                  <a:extLst>
+                    <a:ext uri="{9D8B030D-6E8A-4147-A177-3AD203B41FA5}">
+                      <a16:colId xmlns:a16="http://schemas.microsoft.com/office/drawing/2014/main" val="566251031"/>
+                    </a:ext>
+                  </a:extLst>
+                </a:gridCol>
+                <a:gridCol w="3505200">
+                  <a:extLst>
+                    <a:ext uri="{9D8B030D-6E8A-4147-A177-3AD203B41FA5}">
+                      <a16:colId xmlns:a16="http://schemas.microsoft.com/office/drawing/2014/main" val="1806581287"/>
+                    </a:ext>
+                  </a:extLst>
+                </a:gridCol>
+              </a:tblGrid>
+              <a:tr h="267775">
+                <a:tc>
+                  <a:txBody>
+                    <a:bodyPr/>
+                    <a:lstStyle/>
+                    <a:p>
+                      <a:r>
+                        <a:rPr lang="en-US" sz="1300" b="1" dirty="0"/>
+                        <a:t>View Name</a:t>
+                      </a:r>
+                      <a:endParaRPr lang="en-US" sz="1300" dirty="0"/>
+                    </a:p>
+                  </a:txBody>
+                  <a:tcPr marL="66944" marR="66944" marT="33472" marB="33472" anchor="ctr">
+                    <a:solidFill>
+                      <a:schemeClr val="tx2">
+                        <a:lumMod val="25000"/>
+                        <a:lumOff val="75000"/>
+                      </a:schemeClr>
+                    </a:solidFill>
+                  </a:tcPr>
+                </a:tc>
+                <a:tc>
+                  <a:txBody>
+                    <a:bodyPr/>
+                    <a:lstStyle/>
+                    <a:p>
+                      <a:r>
+                        <a:rPr lang="en-US" sz="1300" b="1" dirty="0"/>
+                        <a:t>Description</a:t>
+                      </a:r>
+                      <a:endParaRPr lang="en-US" sz="1300" dirty="0"/>
+                    </a:p>
+                  </a:txBody>
+                  <a:tcPr marL="66944" marR="66944" marT="33472" marB="33472" anchor="ctr">
+                    <a:solidFill>
+                      <a:schemeClr val="tx2">
+                        <a:lumMod val="25000"/>
+                        <a:lumOff val="75000"/>
+                      </a:schemeClr>
+                    </a:solidFill>
+                  </a:tcPr>
+                </a:tc>
+                <a:tc>
+                  <a:txBody>
+                    <a:bodyPr/>
+                    <a:lstStyle/>
+                    <a:p>
+                      <a:r>
+                        <a:rPr lang="en-US" sz="1300" b="1" dirty="0"/>
+                        <a:t>Assigned Users</a:t>
+                      </a:r>
+                      <a:endParaRPr lang="en-US" sz="1300" dirty="0"/>
+                    </a:p>
+                  </a:txBody>
+                  <a:tcPr marL="66944" marR="66944" marT="33472" marB="33472" anchor="ctr">
+                    <a:solidFill>
+                      <a:schemeClr val="tx2">
+                        <a:lumMod val="25000"/>
+                        <a:lumOff val="75000"/>
+                      </a:schemeClr>
+                    </a:solidFill>
+                  </a:tcPr>
+                </a:tc>
+                <a:extLst>
+                  <a:ext uri="{0D108BD9-81ED-4DB2-BD59-A6C34878D82A}">
+                    <a16:rowId xmlns:a16="http://schemas.microsoft.com/office/drawing/2014/main" val="859690252"/>
+                  </a:ext>
+                </a:extLst>
+              </a:tr>
+              <a:tr h="468606">
+                <a:tc>
+                  <a:txBody>
+                    <a:bodyPr/>
+                    <a:lstStyle/>
+                    <a:p>
+                      <a:r>
+                        <a:rPr lang="en-US" sz="1300" b="1" dirty="0" err="1"/>
+                        <a:t>Stock_Level_View</a:t>
+                      </a:r>
+                      <a:endParaRPr lang="en-US" sz="1300" dirty="0"/>
+                    </a:p>
+                  </a:txBody>
+                  <a:tcPr marL="66944" marR="66944" marT="33472" marB="33472" anchor="ctr"/>
+                </a:tc>
+                <a:tc>
+                  <a:txBody>
+                    <a:bodyPr/>
+                    <a:lstStyle/>
+                    <a:p>
+                      <a:r>
+                        <a:rPr lang="en-US" sz="1300" dirty="0"/>
+                        <a:t>Shows stock levels of products in each warehouse.</a:t>
+                      </a:r>
+                    </a:p>
+                  </a:txBody>
+                  <a:tcPr marL="66944" marR="66944" marT="33472" marB="33472" anchor="ctr"/>
+                </a:tc>
+                <a:tc>
+                  <a:txBody>
+                    <a:bodyPr/>
+                    <a:lstStyle/>
+                    <a:p>
+                      <a:r>
+                        <a:rPr lang="en-US" sz="1300" dirty="0"/>
+                        <a:t>Inventory Manager, Supplier Manager, Inventory User</a:t>
+                      </a:r>
+                    </a:p>
+                  </a:txBody>
+                  <a:tcPr marL="66944" marR="66944" marT="33472" marB="33472" anchor="ctr"/>
+                </a:tc>
+                <a:extLst>
+                  <a:ext uri="{0D108BD9-81ED-4DB2-BD59-A6C34878D82A}">
+                    <a16:rowId xmlns:a16="http://schemas.microsoft.com/office/drawing/2014/main" val="1296784543"/>
+                  </a:ext>
+                </a:extLst>
+              </a:tr>
+              <a:tr h="669437">
+                <a:tc>
+                  <a:txBody>
+                    <a:bodyPr/>
+                    <a:lstStyle/>
+                    <a:p>
+                      <a:r>
+                        <a:rPr lang="en-US" sz="1300" b="1"/>
+                        <a:t>Order_Summary_View</a:t>
+                      </a:r>
+                      <a:endParaRPr lang="en-US" sz="1300"/>
+                    </a:p>
+                  </a:txBody>
+                  <a:tcPr marL="66944" marR="66944" marT="33472" marB="33472" anchor="ctr"/>
+                </a:tc>
+                <a:tc>
+                  <a:txBody>
+                    <a:bodyPr/>
+                    <a:lstStyle/>
+                    <a:p>
+                      <a:r>
+                        <a:rPr lang="en-US" sz="1300"/>
+                        <a:t>Provides an overview of customer orders with customer and warehouse information.</a:t>
+                      </a:r>
+                    </a:p>
+                  </a:txBody>
+                  <a:tcPr marL="66944" marR="66944" marT="33472" marB="33472" anchor="ctr"/>
+                </a:tc>
+                <a:tc>
+                  <a:txBody>
+                    <a:bodyPr/>
+                    <a:lstStyle/>
+                    <a:p>
+                      <a:r>
+                        <a:rPr lang="en-US" sz="1300"/>
+                        <a:t>Sales Manager</a:t>
+                      </a:r>
+                    </a:p>
+                  </a:txBody>
+                  <a:tcPr marL="66944" marR="66944" marT="33472" marB="33472" anchor="ctr"/>
+                </a:tc>
+                <a:extLst>
+                  <a:ext uri="{0D108BD9-81ED-4DB2-BD59-A6C34878D82A}">
+                    <a16:rowId xmlns:a16="http://schemas.microsoft.com/office/drawing/2014/main" val="3961339917"/>
+                  </a:ext>
+                </a:extLst>
+              </a:tr>
+              <a:tr h="468606">
+                <a:tc>
+                  <a:txBody>
+                    <a:bodyPr/>
+                    <a:lstStyle/>
+                    <a:p>
+                      <a:r>
+                        <a:rPr lang="en-US" sz="1300" b="1"/>
+                        <a:t>Supplier_Product_Info_View</a:t>
+                      </a:r>
+                      <a:endParaRPr lang="en-US" sz="1300"/>
+                    </a:p>
+                  </a:txBody>
+                  <a:tcPr marL="66944" marR="66944" marT="33472" marB="33472" anchor="ctr"/>
+                </a:tc>
+                <a:tc>
+                  <a:txBody>
+                    <a:bodyPr/>
+                    <a:lstStyle/>
+                    <a:p>
+                      <a:r>
+                        <a:rPr lang="en-US" sz="1300"/>
+                        <a:t>Lists suppliers, products, pricing, and lead time.</a:t>
+                      </a:r>
+                    </a:p>
+                  </a:txBody>
+                  <a:tcPr marL="66944" marR="66944" marT="33472" marB="33472" anchor="ctr"/>
+                </a:tc>
+                <a:tc>
+                  <a:txBody>
+                    <a:bodyPr/>
+                    <a:lstStyle/>
+                    <a:p>
+                      <a:r>
+                        <a:rPr lang="en-US" sz="1300"/>
+                        <a:t>Supplier Manager</a:t>
+                      </a:r>
+                    </a:p>
+                  </a:txBody>
+                  <a:tcPr marL="66944" marR="66944" marT="33472" marB="33472" anchor="ctr"/>
+                </a:tc>
+                <a:extLst>
+                  <a:ext uri="{0D108BD9-81ED-4DB2-BD59-A6C34878D82A}">
+                    <a16:rowId xmlns:a16="http://schemas.microsoft.com/office/drawing/2014/main" val="1544986181"/>
+                  </a:ext>
+                </a:extLst>
+              </a:tr>
+              <a:tr h="468606">
+                <a:tc>
+                  <a:txBody>
+                    <a:bodyPr/>
+                    <a:lstStyle/>
+                    <a:p>
+                      <a:r>
+                        <a:rPr lang="en-US" sz="1300" b="1"/>
+                        <a:t>Inventory_Transfer_History_View</a:t>
+                      </a:r>
+                      <a:endParaRPr lang="en-US" sz="1300"/>
+                    </a:p>
+                  </a:txBody>
+                  <a:tcPr marL="66944" marR="66944" marT="33472" marB="33472" anchor="ctr"/>
+                </a:tc>
+                <a:tc>
+                  <a:txBody>
+                    <a:bodyPr/>
+                    <a:lstStyle/>
+                    <a:p>
+                      <a:r>
+                        <a:rPr lang="en-US" sz="1300"/>
+                        <a:t>Provides the history of product transfers between warehouses.</a:t>
+                      </a:r>
+                    </a:p>
+                  </a:txBody>
+                  <a:tcPr marL="66944" marR="66944" marT="33472" marB="33472" anchor="ctr"/>
+                </a:tc>
+                <a:tc>
+                  <a:txBody>
+                    <a:bodyPr/>
+                    <a:lstStyle/>
+                    <a:p>
+                      <a:r>
+                        <a:rPr lang="en-US" sz="1300"/>
+                        <a:t>Inventory Manager, Inventory User</a:t>
+                      </a:r>
+                    </a:p>
+                  </a:txBody>
+                  <a:tcPr marL="66944" marR="66944" marT="33472" marB="33472" anchor="ctr"/>
+                </a:tc>
+                <a:extLst>
+                  <a:ext uri="{0D108BD9-81ED-4DB2-BD59-A6C34878D82A}">
+                    <a16:rowId xmlns:a16="http://schemas.microsoft.com/office/drawing/2014/main" val="2856697920"/>
+                  </a:ext>
+                </a:extLst>
+              </a:tr>
+              <a:tr h="669437">
+                <a:tc>
+                  <a:txBody>
+                    <a:bodyPr/>
+                    <a:lstStyle/>
+                    <a:p>
+                      <a:r>
+                        <a:rPr lang="en-US" sz="1300" b="1"/>
+                        <a:t>Customer_Order_Details_View</a:t>
+                      </a:r>
+                      <a:endParaRPr lang="en-US" sz="1300"/>
+                    </a:p>
+                  </a:txBody>
+                  <a:tcPr marL="66944" marR="66944" marT="33472" marB="33472" anchor="ctr"/>
+                </a:tc>
+                <a:tc>
+                  <a:txBody>
+                    <a:bodyPr/>
+                    <a:lstStyle/>
+                    <a:p>
+                      <a:r>
+                        <a:rPr lang="en-US" sz="1300"/>
+                        <a:t>Displays details of each customer order with itemized products.</a:t>
+                      </a:r>
+                    </a:p>
+                  </a:txBody>
+                  <a:tcPr marL="66944" marR="66944" marT="33472" marB="33472" anchor="ctr"/>
+                </a:tc>
+                <a:tc>
+                  <a:txBody>
+                    <a:bodyPr/>
+                    <a:lstStyle/>
+                    <a:p>
+                      <a:r>
+                        <a:rPr lang="en-US" sz="1300"/>
+                        <a:t>Sales Manager</a:t>
+                      </a:r>
+                    </a:p>
+                  </a:txBody>
+                  <a:tcPr marL="66944" marR="66944" marT="33472" marB="33472" anchor="ctr"/>
+                </a:tc>
+                <a:extLst>
+                  <a:ext uri="{0D108BD9-81ED-4DB2-BD59-A6C34878D82A}">
+                    <a16:rowId xmlns:a16="http://schemas.microsoft.com/office/drawing/2014/main" val="1301143119"/>
+                  </a:ext>
+                </a:extLst>
+              </a:tr>
+              <a:tr h="669437">
+                <a:tc>
+                  <a:txBody>
+                    <a:bodyPr/>
+                    <a:lstStyle/>
+                    <a:p>
+                      <a:r>
+                        <a:rPr lang="en-US" sz="1300" b="1"/>
+                        <a:t>Stock_Reorder_View</a:t>
+                      </a:r>
+                      <a:endParaRPr lang="en-US" sz="1300"/>
+                    </a:p>
+                  </a:txBody>
+                  <a:tcPr marL="66944" marR="66944" marT="33472" marB="33472" anchor="ctr"/>
+                </a:tc>
+                <a:tc>
+                  <a:txBody>
+                    <a:bodyPr/>
+                    <a:lstStyle/>
+                    <a:p>
+                      <a:r>
+                        <a:rPr lang="en-US" sz="1300"/>
+                        <a:t>Highlights products requiring reordering based on current stock levels and supplier information.</a:t>
+                      </a:r>
+                    </a:p>
+                  </a:txBody>
+                  <a:tcPr marL="66944" marR="66944" marT="33472" marB="33472" anchor="ctr"/>
+                </a:tc>
+                <a:tc>
+                  <a:txBody>
+                    <a:bodyPr/>
+                    <a:lstStyle/>
+                    <a:p>
+                      <a:r>
+                        <a:rPr lang="en-US" sz="1300"/>
+                        <a:t>Inventory Manager, Supplier Manager</a:t>
+                      </a:r>
+                    </a:p>
+                  </a:txBody>
+                  <a:tcPr marL="66944" marR="66944" marT="33472" marB="33472" anchor="ctr"/>
+                </a:tc>
+                <a:extLst>
+                  <a:ext uri="{0D108BD9-81ED-4DB2-BD59-A6C34878D82A}">
+                    <a16:rowId xmlns:a16="http://schemas.microsoft.com/office/drawing/2014/main" val="1359096112"/>
+                  </a:ext>
+                </a:extLst>
+              </a:tr>
+              <a:tr h="669437">
+                <a:tc>
+                  <a:txBody>
+                    <a:bodyPr/>
+                    <a:lstStyle/>
+                    <a:p>
+                      <a:r>
+                        <a:rPr lang="en-US" sz="1300" b="1"/>
+                        <a:t>Product_Stock_Gap_View</a:t>
+                      </a:r>
+                      <a:endParaRPr lang="en-US" sz="1300"/>
+                    </a:p>
+                  </a:txBody>
+                  <a:tcPr marL="66944" marR="66944" marT="33472" marB="33472" anchor="ctr"/>
+                </a:tc>
+                <a:tc>
+                  <a:txBody>
+                    <a:bodyPr/>
+                    <a:lstStyle/>
+                    <a:p>
+                      <a:r>
+                        <a:rPr lang="en-US" sz="1300"/>
+                        <a:t>Displays product demand vs. stock availability and identifies stock gaps.</a:t>
+                      </a:r>
+                    </a:p>
+                  </a:txBody>
+                  <a:tcPr marL="66944" marR="66944" marT="33472" marB="33472" anchor="ctr"/>
+                </a:tc>
+                <a:tc>
+                  <a:txBody>
+                    <a:bodyPr/>
+                    <a:lstStyle/>
+                    <a:p>
+                      <a:r>
+                        <a:rPr lang="en-US" sz="1300" dirty="0"/>
+                        <a:t>Inventory Manager, Sales Manager</a:t>
+                      </a:r>
+                    </a:p>
+                  </a:txBody>
+                  <a:tcPr marL="66944" marR="66944" marT="33472" marB="33472" anchor="ctr"/>
+                </a:tc>
+                <a:extLst>
+                  <a:ext uri="{0D108BD9-81ED-4DB2-BD59-A6C34878D82A}">
+                    <a16:rowId xmlns:a16="http://schemas.microsoft.com/office/drawing/2014/main" val="645214900"/>
+                  </a:ext>
+                </a:extLst>
+              </a:tr>
+            </a:tbl>
+          </a:graphicData>
+        </a:graphic>
+      </p:graphicFrame>
     </p:spTree>
     <p:extLst>
       <p:ext uri="{BB962C8B-B14F-4D97-AF65-F5344CB8AC3E}">

--- a/DMDD_Project_ Presentation_Final.pptx
+++ b/DMDD_Project_ Presentation_Final.pptx
@@ -210,7 +210,7 @@
           <a:p>
             <a:fld id="{B5C961B2-6A0A-5B47-A7C5-8A92670FDDAA}" type="datetimeFigureOut">
               <a:rPr lang="en-US" smtClean="0"/>
-              <a:t>12/4/24</a:t>
+              <a:t>12/5/2024</a:t>
             </a:fld>
             <a:endParaRPr lang="en-US"/>
           </a:p>
@@ -583,7 +583,7 @@
           <p:cNvPr id="2" name="Title 1">
             <a:extLst>
               <a:ext uri="{FF2B5EF4-FFF2-40B4-BE49-F238E27FC236}">
-                <a16:creationId xmlns:a16="http://schemas.microsoft.com/office/drawing/2014/main" id="{0AC28734-6619-B03D-B13C-2FA1D342E4E9}"/>
+                <a16:creationId xmlns:a16="http://schemas.microsoft.com/office/drawing/2014/main" xmlns="" id="{0AC28734-6619-B03D-B13C-2FA1D342E4E9}"/>
               </a:ext>
             </a:extLst>
           </p:cNvPr>
@@ -620,7 +620,7 @@
           <p:cNvPr id="3" name="Subtitle 2">
             <a:extLst>
               <a:ext uri="{FF2B5EF4-FFF2-40B4-BE49-F238E27FC236}">
-                <a16:creationId xmlns:a16="http://schemas.microsoft.com/office/drawing/2014/main" id="{73B4963F-0713-AE7E-A986-2E8F684448CB}"/>
+                <a16:creationId xmlns:a16="http://schemas.microsoft.com/office/drawing/2014/main" xmlns="" id="{73B4963F-0713-AE7E-A986-2E8F684448CB}"/>
               </a:ext>
             </a:extLst>
           </p:cNvPr>
@@ -690,7 +690,7 @@
           <p:cNvPr id="4" name="Date Placeholder 3">
             <a:extLst>
               <a:ext uri="{FF2B5EF4-FFF2-40B4-BE49-F238E27FC236}">
-                <a16:creationId xmlns:a16="http://schemas.microsoft.com/office/drawing/2014/main" id="{822892A9-06F2-64FB-3351-9C366021ED13}"/>
+                <a16:creationId xmlns:a16="http://schemas.microsoft.com/office/drawing/2014/main" xmlns="" id="{822892A9-06F2-64FB-3351-9C366021ED13}"/>
               </a:ext>
             </a:extLst>
           </p:cNvPr>
@@ -708,7 +708,7 @@
           <a:p>
             <a:fld id="{ECC7CBF4-1F13-5A42-86EE-7765A9DB9490}" type="datetimeFigureOut">
               <a:rPr lang="en-US" smtClean="0"/>
-              <a:t>12/4/24</a:t>
+              <a:t>12/5/2024</a:t>
             </a:fld>
             <a:endParaRPr lang="en-US"/>
           </a:p>
@@ -719,7 +719,7 @@
           <p:cNvPr id="5" name="Footer Placeholder 4">
             <a:extLst>
               <a:ext uri="{FF2B5EF4-FFF2-40B4-BE49-F238E27FC236}">
-                <a16:creationId xmlns:a16="http://schemas.microsoft.com/office/drawing/2014/main" id="{483C119F-0BAF-3302-BF4C-8EDBC1F106DA}"/>
+                <a16:creationId xmlns:a16="http://schemas.microsoft.com/office/drawing/2014/main" xmlns="" id="{483C119F-0BAF-3302-BF4C-8EDBC1F106DA}"/>
               </a:ext>
             </a:extLst>
           </p:cNvPr>
@@ -744,7 +744,7 @@
           <p:cNvPr id="6" name="Slide Number Placeholder 5">
             <a:extLst>
               <a:ext uri="{FF2B5EF4-FFF2-40B4-BE49-F238E27FC236}">
-                <a16:creationId xmlns:a16="http://schemas.microsoft.com/office/drawing/2014/main" id="{736CCC87-CC96-9107-3136-3F3645CFA35C}"/>
+                <a16:creationId xmlns:a16="http://schemas.microsoft.com/office/drawing/2014/main" xmlns="" id="{736CCC87-CC96-9107-3136-3F3645CFA35C}"/>
               </a:ext>
             </a:extLst>
           </p:cNvPr>
@@ -803,7 +803,7 @@
           <p:cNvPr id="2" name="Title 1">
             <a:extLst>
               <a:ext uri="{FF2B5EF4-FFF2-40B4-BE49-F238E27FC236}">
-                <a16:creationId xmlns:a16="http://schemas.microsoft.com/office/drawing/2014/main" id="{DC2F204D-0D83-D680-ACE9-F01AFB1D7D4A}"/>
+                <a16:creationId xmlns:a16="http://schemas.microsoft.com/office/drawing/2014/main" xmlns="" id="{DC2F204D-0D83-D680-ACE9-F01AFB1D7D4A}"/>
               </a:ext>
             </a:extLst>
           </p:cNvPr>
@@ -831,7 +831,7 @@
           <p:cNvPr id="3" name="Vertical Text Placeholder 2">
             <a:extLst>
               <a:ext uri="{FF2B5EF4-FFF2-40B4-BE49-F238E27FC236}">
-                <a16:creationId xmlns:a16="http://schemas.microsoft.com/office/drawing/2014/main" id="{CF0E2918-ADB7-AE89-9508-80D021A79A9F}"/>
+                <a16:creationId xmlns:a16="http://schemas.microsoft.com/office/drawing/2014/main" xmlns="" id="{CF0E2918-ADB7-AE89-9508-80D021A79A9F}"/>
               </a:ext>
             </a:extLst>
           </p:cNvPr>
@@ -888,7 +888,7 @@
           <p:cNvPr id="4" name="Date Placeholder 3">
             <a:extLst>
               <a:ext uri="{FF2B5EF4-FFF2-40B4-BE49-F238E27FC236}">
-                <a16:creationId xmlns:a16="http://schemas.microsoft.com/office/drawing/2014/main" id="{4482BBB7-EC54-FCE1-5931-8A05E4AEF073}"/>
+                <a16:creationId xmlns:a16="http://schemas.microsoft.com/office/drawing/2014/main" xmlns="" id="{4482BBB7-EC54-FCE1-5931-8A05E4AEF073}"/>
               </a:ext>
             </a:extLst>
           </p:cNvPr>
@@ -906,7 +906,7 @@
           <a:p>
             <a:fld id="{ECC7CBF4-1F13-5A42-86EE-7765A9DB9490}" type="datetimeFigureOut">
               <a:rPr lang="en-US" smtClean="0"/>
-              <a:t>12/4/24</a:t>
+              <a:t>12/5/2024</a:t>
             </a:fld>
             <a:endParaRPr lang="en-US"/>
           </a:p>
@@ -917,7 +917,7 @@
           <p:cNvPr id="5" name="Footer Placeholder 4">
             <a:extLst>
               <a:ext uri="{FF2B5EF4-FFF2-40B4-BE49-F238E27FC236}">
-                <a16:creationId xmlns:a16="http://schemas.microsoft.com/office/drawing/2014/main" id="{4BBCD824-AED4-C4E9-F38B-A32E96D56957}"/>
+                <a16:creationId xmlns:a16="http://schemas.microsoft.com/office/drawing/2014/main" xmlns="" id="{4BBCD824-AED4-C4E9-F38B-A32E96D56957}"/>
               </a:ext>
             </a:extLst>
           </p:cNvPr>
@@ -942,7 +942,7 @@
           <p:cNvPr id="6" name="Slide Number Placeholder 5">
             <a:extLst>
               <a:ext uri="{FF2B5EF4-FFF2-40B4-BE49-F238E27FC236}">
-                <a16:creationId xmlns:a16="http://schemas.microsoft.com/office/drawing/2014/main" id="{3F4D1D55-08AC-59E3-B614-B58FB734B081}"/>
+                <a16:creationId xmlns:a16="http://schemas.microsoft.com/office/drawing/2014/main" xmlns="" id="{3F4D1D55-08AC-59E3-B614-B58FB734B081}"/>
               </a:ext>
             </a:extLst>
           </p:cNvPr>
@@ -1001,7 +1001,7 @@
           <p:cNvPr id="2" name="Vertical Title 1">
             <a:extLst>
               <a:ext uri="{FF2B5EF4-FFF2-40B4-BE49-F238E27FC236}">
-                <a16:creationId xmlns:a16="http://schemas.microsoft.com/office/drawing/2014/main" id="{94935C94-595C-294E-CC4C-9155C26E5F2F}"/>
+                <a16:creationId xmlns:a16="http://schemas.microsoft.com/office/drawing/2014/main" xmlns="" id="{94935C94-595C-294E-CC4C-9155C26E5F2F}"/>
               </a:ext>
             </a:extLst>
           </p:cNvPr>
@@ -1034,7 +1034,7 @@
           <p:cNvPr id="3" name="Vertical Text Placeholder 2">
             <a:extLst>
               <a:ext uri="{FF2B5EF4-FFF2-40B4-BE49-F238E27FC236}">
-                <a16:creationId xmlns:a16="http://schemas.microsoft.com/office/drawing/2014/main" id="{3ACEAE21-4EF9-9723-2D78-1420A6E76FFD}"/>
+                <a16:creationId xmlns:a16="http://schemas.microsoft.com/office/drawing/2014/main" xmlns="" id="{3ACEAE21-4EF9-9723-2D78-1420A6E76FFD}"/>
               </a:ext>
             </a:extLst>
           </p:cNvPr>
@@ -1096,7 +1096,7 @@
           <p:cNvPr id="4" name="Date Placeholder 3">
             <a:extLst>
               <a:ext uri="{FF2B5EF4-FFF2-40B4-BE49-F238E27FC236}">
-                <a16:creationId xmlns:a16="http://schemas.microsoft.com/office/drawing/2014/main" id="{DA78BE72-68B7-0997-3A9E-08599849AC04}"/>
+                <a16:creationId xmlns:a16="http://schemas.microsoft.com/office/drawing/2014/main" xmlns="" id="{DA78BE72-68B7-0997-3A9E-08599849AC04}"/>
               </a:ext>
             </a:extLst>
           </p:cNvPr>
@@ -1114,7 +1114,7 @@
           <a:p>
             <a:fld id="{ECC7CBF4-1F13-5A42-86EE-7765A9DB9490}" type="datetimeFigureOut">
               <a:rPr lang="en-US" smtClean="0"/>
-              <a:t>12/4/24</a:t>
+              <a:t>12/5/2024</a:t>
             </a:fld>
             <a:endParaRPr lang="en-US"/>
           </a:p>
@@ -1125,7 +1125,7 @@
           <p:cNvPr id="5" name="Footer Placeholder 4">
             <a:extLst>
               <a:ext uri="{FF2B5EF4-FFF2-40B4-BE49-F238E27FC236}">
-                <a16:creationId xmlns:a16="http://schemas.microsoft.com/office/drawing/2014/main" id="{32A662AA-5BC2-92D8-F295-83386C1F94DF}"/>
+                <a16:creationId xmlns:a16="http://schemas.microsoft.com/office/drawing/2014/main" xmlns="" id="{32A662AA-5BC2-92D8-F295-83386C1F94DF}"/>
               </a:ext>
             </a:extLst>
           </p:cNvPr>
@@ -1150,7 +1150,7 @@
           <p:cNvPr id="6" name="Slide Number Placeholder 5">
             <a:extLst>
               <a:ext uri="{FF2B5EF4-FFF2-40B4-BE49-F238E27FC236}">
-                <a16:creationId xmlns:a16="http://schemas.microsoft.com/office/drawing/2014/main" id="{6749108F-071E-282C-8668-4D0FE643B6D4}"/>
+                <a16:creationId xmlns:a16="http://schemas.microsoft.com/office/drawing/2014/main" xmlns="" id="{6749108F-071E-282C-8668-4D0FE643B6D4}"/>
               </a:ext>
             </a:extLst>
           </p:cNvPr>
@@ -1209,7 +1209,7 @@
           <p:cNvPr id="2" name="Title 1">
             <a:extLst>
               <a:ext uri="{FF2B5EF4-FFF2-40B4-BE49-F238E27FC236}">
-                <a16:creationId xmlns:a16="http://schemas.microsoft.com/office/drawing/2014/main" id="{91796540-846A-4721-7450-46D559FC57B7}"/>
+                <a16:creationId xmlns:a16="http://schemas.microsoft.com/office/drawing/2014/main" xmlns="" id="{91796540-846A-4721-7450-46D559FC57B7}"/>
               </a:ext>
             </a:extLst>
           </p:cNvPr>
@@ -1237,7 +1237,7 @@
           <p:cNvPr id="3" name="Content Placeholder 2">
             <a:extLst>
               <a:ext uri="{FF2B5EF4-FFF2-40B4-BE49-F238E27FC236}">
-                <a16:creationId xmlns:a16="http://schemas.microsoft.com/office/drawing/2014/main" id="{C29B4E9A-57A9-3526-4CED-0EFB31D9EF33}"/>
+                <a16:creationId xmlns:a16="http://schemas.microsoft.com/office/drawing/2014/main" xmlns="" id="{C29B4E9A-57A9-3526-4CED-0EFB31D9EF33}"/>
               </a:ext>
             </a:extLst>
           </p:cNvPr>
@@ -1294,7 +1294,7 @@
           <p:cNvPr id="4" name="Date Placeholder 3">
             <a:extLst>
               <a:ext uri="{FF2B5EF4-FFF2-40B4-BE49-F238E27FC236}">
-                <a16:creationId xmlns:a16="http://schemas.microsoft.com/office/drawing/2014/main" id="{44357F42-DC10-F81C-14BD-BB13F2F74C32}"/>
+                <a16:creationId xmlns:a16="http://schemas.microsoft.com/office/drawing/2014/main" xmlns="" id="{44357F42-DC10-F81C-14BD-BB13F2F74C32}"/>
               </a:ext>
             </a:extLst>
           </p:cNvPr>
@@ -1312,7 +1312,7 @@
           <a:p>
             <a:fld id="{ECC7CBF4-1F13-5A42-86EE-7765A9DB9490}" type="datetimeFigureOut">
               <a:rPr lang="en-US" smtClean="0"/>
-              <a:t>12/4/24</a:t>
+              <a:t>12/5/2024</a:t>
             </a:fld>
             <a:endParaRPr lang="en-US"/>
           </a:p>
@@ -1323,7 +1323,7 @@
           <p:cNvPr id="5" name="Footer Placeholder 4">
             <a:extLst>
               <a:ext uri="{FF2B5EF4-FFF2-40B4-BE49-F238E27FC236}">
-                <a16:creationId xmlns:a16="http://schemas.microsoft.com/office/drawing/2014/main" id="{2CE8B64D-384E-6AFC-B6C9-1BD81F283DA2}"/>
+                <a16:creationId xmlns:a16="http://schemas.microsoft.com/office/drawing/2014/main" xmlns="" id="{2CE8B64D-384E-6AFC-B6C9-1BD81F283DA2}"/>
               </a:ext>
             </a:extLst>
           </p:cNvPr>
@@ -1348,7 +1348,7 @@
           <p:cNvPr id="6" name="Slide Number Placeholder 5">
             <a:extLst>
               <a:ext uri="{FF2B5EF4-FFF2-40B4-BE49-F238E27FC236}">
-                <a16:creationId xmlns:a16="http://schemas.microsoft.com/office/drawing/2014/main" id="{401FDB58-B45B-9647-CF0C-B8170536525D}"/>
+                <a16:creationId xmlns:a16="http://schemas.microsoft.com/office/drawing/2014/main" xmlns="" id="{401FDB58-B45B-9647-CF0C-B8170536525D}"/>
               </a:ext>
             </a:extLst>
           </p:cNvPr>
@@ -1407,7 +1407,7 @@
           <p:cNvPr id="2" name="Title 1">
             <a:extLst>
               <a:ext uri="{FF2B5EF4-FFF2-40B4-BE49-F238E27FC236}">
-                <a16:creationId xmlns:a16="http://schemas.microsoft.com/office/drawing/2014/main" id="{53842AEC-22F2-4629-BAA7-CBA4DBAABD39}"/>
+                <a16:creationId xmlns:a16="http://schemas.microsoft.com/office/drawing/2014/main" xmlns="" id="{53842AEC-22F2-4629-BAA7-CBA4DBAABD39}"/>
               </a:ext>
             </a:extLst>
           </p:cNvPr>
@@ -1444,7 +1444,7 @@
           <p:cNvPr id="3" name="Text Placeholder 2">
             <a:extLst>
               <a:ext uri="{FF2B5EF4-FFF2-40B4-BE49-F238E27FC236}">
-                <a16:creationId xmlns:a16="http://schemas.microsoft.com/office/drawing/2014/main" id="{D451E1FC-87BB-8F8D-1C03-D66039C95663}"/>
+                <a16:creationId xmlns:a16="http://schemas.microsoft.com/office/drawing/2014/main" xmlns="" id="{D451E1FC-87BB-8F8D-1C03-D66039C95663}"/>
               </a:ext>
             </a:extLst>
           </p:cNvPr>
@@ -1569,7 +1569,7 @@
           <p:cNvPr id="4" name="Date Placeholder 3">
             <a:extLst>
               <a:ext uri="{FF2B5EF4-FFF2-40B4-BE49-F238E27FC236}">
-                <a16:creationId xmlns:a16="http://schemas.microsoft.com/office/drawing/2014/main" id="{228B0012-6A00-4884-F096-8C91591AB69B}"/>
+                <a16:creationId xmlns:a16="http://schemas.microsoft.com/office/drawing/2014/main" xmlns="" id="{228B0012-6A00-4884-F096-8C91591AB69B}"/>
               </a:ext>
             </a:extLst>
           </p:cNvPr>
@@ -1587,7 +1587,7 @@
           <a:p>
             <a:fld id="{ECC7CBF4-1F13-5A42-86EE-7765A9DB9490}" type="datetimeFigureOut">
               <a:rPr lang="en-US" smtClean="0"/>
-              <a:t>12/4/24</a:t>
+              <a:t>12/5/2024</a:t>
             </a:fld>
             <a:endParaRPr lang="en-US"/>
           </a:p>
@@ -1598,7 +1598,7 @@
           <p:cNvPr id="5" name="Footer Placeholder 4">
             <a:extLst>
               <a:ext uri="{FF2B5EF4-FFF2-40B4-BE49-F238E27FC236}">
-                <a16:creationId xmlns:a16="http://schemas.microsoft.com/office/drawing/2014/main" id="{41B1753F-21C5-FA7B-9C18-366CF477609A}"/>
+                <a16:creationId xmlns:a16="http://schemas.microsoft.com/office/drawing/2014/main" xmlns="" id="{41B1753F-21C5-FA7B-9C18-366CF477609A}"/>
               </a:ext>
             </a:extLst>
           </p:cNvPr>
@@ -1623,7 +1623,7 @@
           <p:cNvPr id="6" name="Slide Number Placeholder 5">
             <a:extLst>
               <a:ext uri="{FF2B5EF4-FFF2-40B4-BE49-F238E27FC236}">
-                <a16:creationId xmlns:a16="http://schemas.microsoft.com/office/drawing/2014/main" id="{50F4FF89-1376-A755-8A87-9E6C427365D3}"/>
+                <a16:creationId xmlns:a16="http://schemas.microsoft.com/office/drawing/2014/main" xmlns="" id="{50F4FF89-1376-A755-8A87-9E6C427365D3}"/>
               </a:ext>
             </a:extLst>
           </p:cNvPr>
@@ -1682,7 +1682,7 @@
           <p:cNvPr id="2" name="Title 1">
             <a:extLst>
               <a:ext uri="{FF2B5EF4-FFF2-40B4-BE49-F238E27FC236}">
-                <a16:creationId xmlns:a16="http://schemas.microsoft.com/office/drawing/2014/main" id="{0D0BEC5F-8919-917C-2B44-68CF5B20337B}"/>
+                <a16:creationId xmlns:a16="http://schemas.microsoft.com/office/drawing/2014/main" xmlns="" id="{0D0BEC5F-8919-917C-2B44-68CF5B20337B}"/>
               </a:ext>
             </a:extLst>
           </p:cNvPr>
@@ -1710,7 +1710,7 @@
           <p:cNvPr id="3" name="Content Placeholder 2">
             <a:extLst>
               <a:ext uri="{FF2B5EF4-FFF2-40B4-BE49-F238E27FC236}">
-                <a16:creationId xmlns:a16="http://schemas.microsoft.com/office/drawing/2014/main" id="{F3345AB1-0BBF-CDEA-C04A-DA9FBA6744B3}"/>
+                <a16:creationId xmlns:a16="http://schemas.microsoft.com/office/drawing/2014/main" xmlns="" id="{F3345AB1-0BBF-CDEA-C04A-DA9FBA6744B3}"/>
               </a:ext>
             </a:extLst>
           </p:cNvPr>
@@ -1772,7 +1772,7 @@
           <p:cNvPr id="4" name="Content Placeholder 3">
             <a:extLst>
               <a:ext uri="{FF2B5EF4-FFF2-40B4-BE49-F238E27FC236}">
-                <a16:creationId xmlns:a16="http://schemas.microsoft.com/office/drawing/2014/main" id="{56CB211A-0FE9-E9C7-D7D3-10AA0B6DE950}"/>
+                <a16:creationId xmlns:a16="http://schemas.microsoft.com/office/drawing/2014/main" xmlns="" id="{56CB211A-0FE9-E9C7-D7D3-10AA0B6DE950}"/>
               </a:ext>
             </a:extLst>
           </p:cNvPr>
@@ -1834,7 +1834,7 @@
           <p:cNvPr id="5" name="Date Placeholder 4">
             <a:extLst>
               <a:ext uri="{FF2B5EF4-FFF2-40B4-BE49-F238E27FC236}">
-                <a16:creationId xmlns:a16="http://schemas.microsoft.com/office/drawing/2014/main" id="{888D0D65-0F75-AFB9-FCB5-AE2654AF855F}"/>
+                <a16:creationId xmlns:a16="http://schemas.microsoft.com/office/drawing/2014/main" xmlns="" id="{888D0D65-0F75-AFB9-FCB5-AE2654AF855F}"/>
               </a:ext>
             </a:extLst>
           </p:cNvPr>
@@ -1852,7 +1852,7 @@
           <a:p>
             <a:fld id="{ECC7CBF4-1F13-5A42-86EE-7765A9DB9490}" type="datetimeFigureOut">
               <a:rPr lang="en-US" smtClean="0"/>
-              <a:t>12/4/24</a:t>
+              <a:t>12/5/2024</a:t>
             </a:fld>
             <a:endParaRPr lang="en-US"/>
           </a:p>
@@ -1863,7 +1863,7 @@
           <p:cNvPr id="6" name="Footer Placeholder 5">
             <a:extLst>
               <a:ext uri="{FF2B5EF4-FFF2-40B4-BE49-F238E27FC236}">
-                <a16:creationId xmlns:a16="http://schemas.microsoft.com/office/drawing/2014/main" id="{471276E4-EDFB-913B-D1A0-A6E12A9E4A3A}"/>
+                <a16:creationId xmlns:a16="http://schemas.microsoft.com/office/drawing/2014/main" xmlns="" id="{471276E4-EDFB-913B-D1A0-A6E12A9E4A3A}"/>
               </a:ext>
             </a:extLst>
           </p:cNvPr>
@@ -1888,7 +1888,7 @@
           <p:cNvPr id="7" name="Slide Number Placeholder 6">
             <a:extLst>
               <a:ext uri="{FF2B5EF4-FFF2-40B4-BE49-F238E27FC236}">
-                <a16:creationId xmlns:a16="http://schemas.microsoft.com/office/drawing/2014/main" id="{4C764C8D-DECF-5F51-1BF7-AE37CC7C7E76}"/>
+                <a16:creationId xmlns:a16="http://schemas.microsoft.com/office/drawing/2014/main" xmlns="" id="{4C764C8D-DECF-5F51-1BF7-AE37CC7C7E76}"/>
               </a:ext>
             </a:extLst>
           </p:cNvPr>
@@ -1947,7 +1947,7 @@
           <p:cNvPr id="2" name="Title 1">
             <a:extLst>
               <a:ext uri="{FF2B5EF4-FFF2-40B4-BE49-F238E27FC236}">
-                <a16:creationId xmlns:a16="http://schemas.microsoft.com/office/drawing/2014/main" id="{D6EEAA1D-255B-7C82-5F20-53A0B6D4D212}"/>
+                <a16:creationId xmlns:a16="http://schemas.microsoft.com/office/drawing/2014/main" xmlns="" id="{D6EEAA1D-255B-7C82-5F20-53A0B6D4D212}"/>
               </a:ext>
             </a:extLst>
           </p:cNvPr>
@@ -1980,7 +1980,7 @@
           <p:cNvPr id="3" name="Text Placeholder 2">
             <a:extLst>
               <a:ext uri="{FF2B5EF4-FFF2-40B4-BE49-F238E27FC236}">
-                <a16:creationId xmlns:a16="http://schemas.microsoft.com/office/drawing/2014/main" id="{E441E613-063A-110F-883B-166291208FA0}"/>
+                <a16:creationId xmlns:a16="http://schemas.microsoft.com/office/drawing/2014/main" xmlns="" id="{E441E613-063A-110F-883B-166291208FA0}"/>
               </a:ext>
             </a:extLst>
           </p:cNvPr>
@@ -2051,7 +2051,7 @@
           <p:cNvPr id="4" name="Content Placeholder 3">
             <a:extLst>
               <a:ext uri="{FF2B5EF4-FFF2-40B4-BE49-F238E27FC236}">
-                <a16:creationId xmlns:a16="http://schemas.microsoft.com/office/drawing/2014/main" id="{2AF64B43-8CD5-ED1A-6DF3-48AD2D100A72}"/>
+                <a16:creationId xmlns:a16="http://schemas.microsoft.com/office/drawing/2014/main" xmlns="" id="{2AF64B43-8CD5-ED1A-6DF3-48AD2D100A72}"/>
               </a:ext>
             </a:extLst>
           </p:cNvPr>
@@ -2113,7 +2113,7 @@
           <p:cNvPr id="5" name="Text Placeholder 4">
             <a:extLst>
               <a:ext uri="{FF2B5EF4-FFF2-40B4-BE49-F238E27FC236}">
-                <a16:creationId xmlns:a16="http://schemas.microsoft.com/office/drawing/2014/main" id="{5F7914F3-EF16-8FBD-4C32-5B47B2E829FE}"/>
+                <a16:creationId xmlns:a16="http://schemas.microsoft.com/office/drawing/2014/main" xmlns="" id="{5F7914F3-EF16-8FBD-4C32-5B47B2E829FE}"/>
               </a:ext>
             </a:extLst>
           </p:cNvPr>
@@ -2184,7 +2184,7 @@
           <p:cNvPr id="6" name="Content Placeholder 5">
             <a:extLst>
               <a:ext uri="{FF2B5EF4-FFF2-40B4-BE49-F238E27FC236}">
-                <a16:creationId xmlns:a16="http://schemas.microsoft.com/office/drawing/2014/main" id="{748908CD-D04D-A178-AB85-FFAC7FFC79DE}"/>
+                <a16:creationId xmlns:a16="http://schemas.microsoft.com/office/drawing/2014/main" xmlns="" id="{748908CD-D04D-A178-AB85-FFAC7FFC79DE}"/>
               </a:ext>
             </a:extLst>
           </p:cNvPr>
@@ -2246,7 +2246,7 @@
           <p:cNvPr id="7" name="Date Placeholder 6">
             <a:extLst>
               <a:ext uri="{FF2B5EF4-FFF2-40B4-BE49-F238E27FC236}">
-                <a16:creationId xmlns:a16="http://schemas.microsoft.com/office/drawing/2014/main" id="{6AC702F0-763B-7FF8-5D4F-8DEC22533440}"/>
+                <a16:creationId xmlns:a16="http://schemas.microsoft.com/office/drawing/2014/main" xmlns="" id="{6AC702F0-763B-7FF8-5D4F-8DEC22533440}"/>
               </a:ext>
             </a:extLst>
           </p:cNvPr>
@@ -2264,7 +2264,7 @@
           <a:p>
             <a:fld id="{ECC7CBF4-1F13-5A42-86EE-7765A9DB9490}" type="datetimeFigureOut">
               <a:rPr lang="en-US" smtClean="0"/>
-              <a:t>12/4/24</a:t>
+              <a:t>12/5/2024</a:t>
             </a:fld>
             <a:endParaRPr lang="en-US"/>
           </a:p>
@@ -2275,7 +2275,7 @@
           <p:cNvPr id="8" name="Footer Placeholder 7">
             <a:extLst>
               <a:ext uri="{FF2B5EF4-FFF2-40B4-BE49-F238E27FC236}">
-                <a16:creationId xmlns:a16="http://schemas.microsoft.com/office/drawing/2014/main" id="{7C136582-F769-D286-3454-AE676159284B}"/>
+                <a16:creationId xmlns:a16="http://schemas.microsoft.com/office/drawing/2014/main" xmlns="" id="{7C136582-F769-D286-3454-AE676159284B}"/>
               </a:ext>
             </a:extLst>
           </p:cNvPr>
@@ -2300,7 +2300,7 @@
           <p:cNvPr id="9" name="Slide Number Placeholder 8">
             <a:extLst>
               <a:ext uri="{FF2B5EF4-FFF2-40B4-BE49-F238E27FC236}">
-                <a16:creationId xmlns:a16="http://schemas.microsoft.com/office/drawing/2014/main" id="{97CCCAED-E1B1-1292-BC27-5F15E4967FC4}"/>
+                <a16:creationId xmlns:a16="http://schemas.microsoft.com/office/drawing/2014/main" xmlns="" id="{97CCCAED-E1B1-1292-BC27-5F15E4967FC4}"/>
               </a:ext>
             </a:extLst>
           </p:cNvPr>
@@ -2359,7 +2359,7 @@
           <p:cNvPr id="2" name="Title 1">
             <a:extLst>
               <a:ext uri="{FF2B5EF4-FFF2-40B4-BE49-F238E27FC236}">
-                <a16:creationId xmlns:a16="http://schemas.microsoft.com/office/drawing/2014/main" id="{DBD33D67-5DE2-895C-CF49-3C5EFB9B0CB3}"/>
+                <a16:creationId xmlns:a16="http://schemas.microsoft.com/office/drawing/2014/main" xmlns="" id="{DBD33D67-5DE2-895C-CF49-3C5EFB9B0CB3}"/>
               </a:ext>
             </a:extLst>
           </p:cNvPr>
@@ -2387,7 +2387,7 @@
           <p:cNvPr id="3" name="Date Placeholder 2">
             <a:extLst>
               <a:ext uri="{FF2B5EF4-FFF2-40B4-BE49-F238E27FC236}">
-                <a16:creationId xmlns:a16="http://schemas.microsoft.com/office/drawing/2014/main" id="{E5345B75-33C9-EC01-EDA8-9743ED1DE6C8}"/>
+                <a16:creationId xmlns:a16="http://schemas.microsoft.com/office/drawing/2014/main" xmlns="" id="{E5345B75-33C9-EC01-EDA8-9743ED1DE6C8}"/>
               </a:ext>
             </a:extLst>
           </p:cNvPr>
@@ -2405,7 +2405,7 @@
           <a:p>
             <a:fld id="{ECC7CBF4-1F13-5A42-86EE-7765A9DB9490}" type="datetimeFigureOut">
               <a:rPr lang="en-US" smtClean="0"/>
-              <a:t>12/4/24</a:t>
+              <a:t>12/5/2024</a:t>
             </a:fld>
             <a:endParaRPr lang="en-US"/>
           </a:p>
@@ -2416,7 +2416,7 @@
           <p:cNvPr id="4" name="Footer Placeholder 3">
             <a:extLst>
               <a:ext uri="{FF2B5EF4-FFF2-40B4-BE49-F238E27FC236}">
-                <a16:creationId xmlns:a16="http://schemas.microsoft.com/office/drawing/2014/main" id="{0BA8F8C6-A794-3B75-510C-720CFA840238}"/>
+                <a16:creationId xmlns:a16="http://schemas.microsoft.com/office/drawing/2014/main" xmlns="" id="{0BA8F8C6-A794-3B75-510C-720CFA840238}"/>
               </a:ext>
             </a:extLst>
           </p:cNvPr>
@@ -2441,7 +2441,7 @@
           <p:cNvPr id="5" name="Slide Number Placeholder 4">
             <a:extLst>
               <a:ext uri="{FF2B5EF4-FFF2-40B4-BE49-F238E27FC236}">
-                <a16:creationId xmlns:a16="http://schemas.microsoft.com/office/drawing/2014/main" id="{91E8EB43-7EBE-82FB-077F-4633B773A32F}"/>
+                <a16:creationId xmlns:a16="http://schemas.microsoft.com/office/drawing/2014/main" xmlns="" id="{91E8EB43-7EBE-82FB-077F-4633B773A32F}"/>
               </a:ext>
             </a:extLst>
           </p:cNvPr>
@@ -2500,7 +2500,7 @@
           <p:cNvPr id="2" name="Date Placeholder 1">
             <a:extLst>
               <a:ext uri="{FF2B5EF4-FFF2-40B4-BE49-F238E27FC236}">
-                <a16:creationId xmlns:a16="http://schemas.microsoft.com/office/drawing/2014/main" id="{C335AF61-7120-68A9-171F-62C4DD0C0C26}"/>
+                <a16:creationId xmlns:a16="http://schemas.microsoft.com/office/drawing/2014/main" xmlns="" id="{C335AF61-7120-68A9-171F-62C4DD0C0C26}"/>
               </a:ext>
             </a:extLst>
           </p:cNvPr>
@@ -2518,7 +2518,7 @@
           <a:p>
             <a:fld id="{ECC7CBF4-1F13-5A42-86EE-7765A9DB9490}" type="datetimeFigureOut">
               <a:rPr lang="en-US" smtClean="0"/>
-              <a:t>12/4/24</a:t>
+              <a:t>12/5/2024</a:t>
             </a:fld>
             <a:endParaRPr lang="en-US"/>
           </a:p>
@@ -2529,7 +2529,7 @@
           <p:cNvPr id="3" name="Footer Placeholder 2">
             <a:extLst>
               <a:ext uri="{FF2B5EF4-FFF2-40B4-BE49-F238E27FC236}">
-                <a16:creationId xmlns:a16="http://schemas.microsoft.com/office/drawing/2014/main" id="{B5015BD0-856F-2706-1E86-4FAE3C64E3FD}"/>
+                <a16:creationId xmlns:a16="http://schemas.microsoft.com/office/drawing/2014/main" xmlns="" id="{B5015BD0-856F-2706-1E86-4FAE3C64E3FD}"/>
               </a:ext>
             </a:extLst>
           </p:cNvPr>
@@ -2554,7 +2554,7 @@
           <p:cNvPr id="4" name="Slide Number Placeholder 3">
             <a:extLst>
               <a:ext uri="{FF2B5EF4-FFF2-40B4-BE49-F238E27FC236}">
-                <a16:creationId xmlns:a16="http://schemas.microsoft.com/office/drawing/2014/main" id="{96B25A89-C398-6481-CE1C-211C06F543BF}"/>
+                <a16:creationId xmlns:a16="http://schemas.microsoft.com/office/drawing/2014/main" xmlns="" id="{96B25A89-C398-6481-CE1C-211C06F543BF}"/>
               </a:ext>
             </a:extLst>
           </p:cNvPr>
@@ -2613,7 +2613,7 @@
           <p:cNvPr id="2" name="Title 1">
             <a:extLst>
               <a:ext uri="{FF2B5EF4-FFF2-40B4-BE49-F238E27FC236}">
-                <a16:creationId xmlns:a16="http://schemas.microsoft.com/office/drawing/2014/main" id="{CA87F7AA-ABD6-BBA0-2A35-CEA495766141}"/>
+                <a16:creationId xmlns:a16="http://schemas.microsoft.com/office/drawing/2014/main" xmlns="" id="{CA87F7AA-ABD6-BBA0-2A35-CEA495766141}"/>
               </a:ext>
             </a:extLst>
           </p:cNvPr>
@@ -2650,7 +2650,7 @@
           <p:cNvPr id="3" name="Content Placeholder 2">
             <a:extLst>
               <a:ext uri="{FF2B5EF4-FFF2-40B4-BE49-F238E27FC236}">
-                <a16:creationId xmlns:a16="http://schemas.microsoft.com/office/drawing/2014/main" id="{257ADD77-850F-4D35-5376-68821AE14A6D}"/>
+                <a16:creationId xmlns:a16="http://schemas.microsoft.com/office/drawing/2014/main" xmlns="" id="{257ADD77-850F-4D35-5376-68821AE14A6D}"/>
               </a:ext>
             </a:extLst>
           </p:cNvPr>
@@ -2740,7 +2740,7 @@
           <p:cNvPr id="4" name="Text Placeholder 3">
             <a:extLst>
               <a:ext uri="{FF2B5EF4-FFF2-40B4-BE49-F238E27FC236}">
-                <a16:creationId xmlns:a16="http://schemas.microsoft.com/office/drawing/2014/main" id="{235767C8-746B-C140-472A-210B2D49DF1E}"/>
+                <a16:creationId xmlns:a16="http://schemas.microsoft.com/office/drawing/2014/main" xmlns="" id="{235767C8-746B-C140-472A-210B2D49DF1E}"/>
               </a:ext>
             </a:extLst>
           </p:cNvPr>
@@ -2811,7 +2811,7 @@
           <p:cNvPr id="5" name="Date Placeholder 4">
             <a:extLst>
               <a:ext uri="{FF2B5EF4-FFF2-40B4-BE49-F238E27FC236}">
-                <a16:creationId xmlns:a16="http://schemas.microsoft.com/office/drawing/2014/main" id="{6E4F3AF2-56FC-E55C-D008-704A1437455E}"/>
+                <a16:creationId xmlns:a16="http://schemas.microsoft.com/office/drawing/2014/main" xmlns="" id="{6E4F3AF2-56FC-E55C-D008-704A1437455E}"/>
               </a:ext>
             </a:extLst>
           </p:cNvPr>
@@ -2829,7 +2829,7 @@
           <a:p>
             <a:fld id="{ECC7CBF4-1F13-5A42-86EE-7765A9DB9490}" type="datetimeFigureOut">
               <a:rPr lang="en-US" smtClean="0"/>
-              <a:t>12/4/24</a:t>
+              <a:t>12/5/2024</a:t>
             </a:fld>
             <a:endParaRPr lang="en-US"/>
           </a:p>
@@ -2840,7 +2840,7 @@
           <p:cNvPr id="6" name="Footer Placeholder 5">
             <a:extLst>
               <a:ext uri="{FF2B5EF4-FFF2-40B4-BE49-F238E27FC236}">
-                <a16:creationId xmlns:a16="http://schemas.microsoft.com/office/drawing/2014/main" id="{B5EA1930-E04E-9476-F43F-3E6E40D42514}"/>
+                <a16:creationId xmlns:a16="http://schemas.microsoft.com/office/drawing/2014/main" xmlns="" id="{B5EA1930-E04E-9476-F43F-3E6E40D42514}"/>
               </a:ext>
             </a:extLst>
           </p:cNvPr>
@@ -2865,7 +2865,7 @@
           <p:cNvPr id="7" name="Slide Number Placeholder 6">
             <a:extLst>
               <a:ext uri="{FF2B5EF4-FFF2-40B4-BE49-F238E27FC236}">
-                <a16:creationId xmlns:a16="http://schemas.microsoft.com/office/drawing/2014/main" id="{998B1F90-D1D9-6BB6-DA7D-509001CCD180}"/>
+                <a16:creationId xmlns:a16="http://schemas.microsoft.com/office/drawing/2014/main" xmlns="" id="{998B1F90-D1D9-6BB6-DA7D-509001CCD180}"/>
               </a:ext>
             </a:extLst>
           </p:cNvPr>
@@ -2924,7 +2924,7 @@
           <p:cNvPr id="2" name="Title 1">
             <a:extLst>
               <a:ext uri="{FF2B5EF4-FFF2-40B4-BE49-F238E27FC236}">
-                <a16:creationId xmlns:a16="http://schemas.microsoft.com/office/drawing/2014/main" id="{85288B2A-7FED-A229-0D98-AACC664766A9}"/>
+                <a16:creationId xmlns:a16="http://schemas.microsoft.com/office/drawing/2014/main" xmlns="" id="{85288B2A-7FED-A229-0D98-AACC664766A9}"/>
               </a:ext>
             </a:extLst>
           </p:cNvPr>
@@ -2961,7 +2961,7 @@
           <p:cNvPr id="3" name="Picture Placeholder 2">
             <a:extLst>
               <a:ext uri="{FF2B5EF4-FFF2-40B4-BE49-F238E27FC236}">
-                <a16:creationId xmlns:a16="http://schemas.microsoft.com/office/drawing/2014/main" id="{A23B0C56-464E-6FB0-6641-0CBEDE7DB2AD}"/>
+                <a16:creationId xmlns:a16="http://schemas.microsoft.com/office/drawing/2014/main" xmlns="" id="{A23B0C56-464E-6FB0-6641-0CBEDE7DB2AD}"/>
               </a:ext>
             </a:extLst>
           </p:cNvPr>
@@ -3028,7 +3028,7 @@
           <p:cNvPr id="4" name="Text Placeholder 3">
             <a:extLst>
               <a:ext uri="{FF2B5EF4-FFF2-40B4-BE49-F238E27FC236}">
-                <a16:creationId xmlns:a16="http://schemas.microsoft.com/office/drawing/2014/main" id="{1C35FCAD-2A4F-BFBD-B238-3554BCE1BE78}"/>
+                <a16:creationId xmlns:a16="http://schemas.microsoft.com/office/drawing/2014/main" xmlns="" id="{1C35FCAD-2A4F-BFBD-B238-3554BCE1BE78}"/>
               </a:ext>
             </a:extLst>
           </p:cNvPr>
@@ -3099,7 +3099,7 @@
           <p:cNvPr id="5" name="Date Placeholder 4">
             <a:extLst>
               <a:ext uri="{FF2B5EF4-FFF2-40B4-BE49-F238E27FC236}">
-                <a16:creationId xmlns:a16="http://schemas.microsoft.com/office/drawing/2014/main" id="{E73F4B10-E41D-6065-BEF6-98F6A4E357C6}"/>
+                <a16:creationId xmlns:a16="http://schemas.microsoft.com/office/drawing/2014/main" xmlns="" id="{E73F4B10-E41D-6065-BEF6-98F6A4E357C6}"/>
               </a:ext>
             </a:extLst>
           </p:cNvPr>
@@ -3117,7 +3117,7 @@
           <a:p>
             <a:fld id="{ECC7CBF4-1F13-5A42-86EE-7765A9DB9490}" type="datetimeFigureOut">
               <a:rPr lang="en-US" smtClean="0"/>
-              <a:t>12/4/24</a:t>
+              <a:t>12/5/2024</a:t>
             </a:fld>
             <a:endParaRPr lang="en-US"/>
           </a:p>
@@ -3128,7 +3128,7 @@
           <p:cNvPr id="6" name="Footer Placeholder 5">
             <a:extLst>
               <a:ext uri="{FF2B5EF4-FFF2-40B4-BE49-F238E27FC236}">
-                <a16:creationId xmlns:a16="http://schemas.microsoft.com/office/drawing/2014/main" id="{3465861A-007E-E1BE-B171-D3D2DAC95343}"/>
+                <a16:creationId xmlns:a16="http://schemas.microsoft.com/office/drawing/2014/main" xmlns="" id="{3465861A-007E-E1BE-B171-D3D2DAC95343}"/>
               </a:ext>
             </a:extLst>
           </p:cNvPr>
@@ -3153,7 +3153,7 @@
           <p:cNvPr id="7" name="Slide Number Placeholder 6">
             <a:extLst>
               <a:ext uri="{FF2B5EF4-FFF2-40B4-BE49-F238E27FC236}">
-                <a16:creationId xmlns:a16="http://schemas.microsoft.com/office/drawing/2014/main" id="{CA4DCB45-476A-E93D-84ED-88CD3CDA8BA0}"/>
+                <a16:creationId xmlns:a16="http://schemas.microsoft.com/office/drawing/2014/main" xmlns="" id="{CA4DCB45-476A-E93D-84ED-88CD3CDA8BA0}"/>
               </a:ext>
             </a:extLst>
           </p:cNvPr>
@@ -3227,7 +3227,7 @@
           <p:cNvPr id="2" name="Title Placeholder 1">
             <a:extLst>
               <a:ext uri="{FF2B5EF4-FFF2-40B4-BE49-F238E27FC236}">
-                <a16:creationId xmlns:a16="http://schemas.microsoft.com/office/drawing/2014/main" id="{771A49B5-EE56-E98D-42B9-22D5BE9BFF53}"/>
+                <a16:creationId xmlns:a16="http://schemas.microsoft.com/office/drawing/2014/main" xmlns="" id="{771A49B5-EE56-E98D-42B9-22D5BE9BFF53}"/>
               </a:ext>
             </a:extLst>
           </p:cNvPr>
@@ -3265,7 +3265,7 @@
           <p:cNvPr id="3" name="Text Placeholder 2">
             <a:extLst>
               <a:ext uri="{FF2B5EF4-FFF2-40B4-BE49-F238E27FC236}">
-                <a16:creationId xmlns:a16="http://schemas.microsoft.com/office/drawing/2014/main" id="{8C6CE52F-B5A5-2436-C39B-2F3329545621}"/>
+                <a16:creationId xmlns:a16="http://schemas.microsoft.com/office/drawing/2014/main" xmlns="" id="{8C6CE52F-B5A5-2436-C39B-2F3329545621}"/>
               </a:ext>
             </a:extLst>
           </p:cNvPr>
@@ -3332,7 +3332,7 @@
           <p:cNvPr id="4" name="Date Placeholder 3">
             <a:extLst>
               <a:ext uri="{FF2B5EF4-FFF2-40B4-BE49-F238E27FC236}">
-                <a16:creationId xmlns:a16="http://schemas.microsoft.com/office/drawing/2014/main" id="{4447451C-39CF-9A98-F36A-BACA4B3C2CBD}"/>
+                <a16:creationId xmlns:a16="http://schemas.microsoft.com/office/drawing/2014/main" xmlns="" id="{4447451C-39CF-9A98-F36A-BACA4B3C2CBD}"/>
               </a:ext>
             </a:extLst>
           </p:cNvPr>
@@ -3368,7 +3368,7 @@
           <a:p>
             <a:fld id="{ECC7CBF4-1F13-5A42-86EE-7765A9DB9490}" type="datetimeFigureOut">
               <a:rPr lang="en-US" smtClean="0"/>
-              <a:t>12/4/24</a:t>
+              <a:t>12/5/2024</a:t>
             </a:fld>
             <a:endParaRPr lang="en-US"/>
           </a:p>
@@ -3379,7 +3379,7 @@
           <p:cNvPr id="5" name="Footer Placeholder 4">
             <a:extLst>
               <a:ext uri="{FF2B5EF4-FFF2-40B4-BE49-F238E27FC236}">
-                <a16:creationId xmlns:a16="http://schemas.microsoft.com/office/drawing/2014/main" id="{A0F9B387-5B1D-9A3C-B3EF-CBEFBF9CEE18}"/>
+                <a16:creationId xmlns:a16="http://schemas.microsoft.com/office/drawing/2014/main" xmlns="" id="{A0F9B387-5B1D-9A3C-B3EF-CBEFBF9CEE18}"/>
               </a:ext>
             </a:extLst>
           </p:cNvPr>
@@ -3422,7 +3422,7 @@
           <p:cNvPr id="6" name="Slide Number Placeholder 5">
             <a:extLst>
               <a:ext uri="{FF2B5EF4-FFF2-40B4-BE49-F238E27FC236}">
-                <a16:creationId xmlns:a16="http://schemas.microsoft.com/office/drawing/2014/main" id="{6610AFD8-E98A-FE86-AAC7-B8FAD09A05B0}"/>
+                <a16:creationId xmlns:a16="http://schemas.microsoft.com/office/drawing/2014/main" xmlns="" id="{6610AFD8-E98A-FE86-AAC7-B8FAD09A05B0}"/>
               </a:ext>
             </a:extLst>
           </p:cNvPr>
@@ -3790,7 +3790,7 @@
           <p:cNvPr id="2" name="Title 1">
             <a:extLst>
               <a:ext uri="{FF2B5EF4-FFF2-40B4-BE49-F238E27FC236}">
-                <a16:creationId xmlns:a16="http://schemas.microsoft.com/office/drawing/2014/main" id="{23AB9F73-FF63-D592-0ADC-28C57E722AC8}"/>
+                <a16:creationId xmlns:a16="http://schemas.microsoft.com/office/drawing/2014/main" xmlns="" id="{23AB9F73-FF63-D592-0ADC-28C57E722AC8}"/>
               </a:ext>
             </a:extLst>
           </p:cNvPr>
@@ -3843,7 +3843,7 @@
           <p:cNvPr id="3" name="Subtitle 2">
             <a:extLst>
               <a:ext uri="{FF2B5EF4-FFF2-40B4-BE49-F238E27FC236}">
-                <a16:creationId xmlns:a16="http://schemas.microsoft.com/office/drawing/2014/main" id="{19A1AAA6-1631-3EB6-F507-DA2F37464639}"/>
+                <a16:creationId xmlns:a16="http://schemas.microsoft.com/office/drawing/2014/main" xmlns="" id="{19A1AAA6-1631-3EB6-F507-DA2F37464639}"/>
               </a:ext>
             </a:extLst>
           </p:cNvPr>
@@ -4161,7 +4161,7 @@
           <p:cNvPr id="2" name="Title 1">
             <a:extLst>
               <a:ext uri="{FF2B5EF4-FFF2-40B4-BE49-F238E27FC236}">
-                <a16:creationId xmlns:a16="http://schemas.microsoft.com/office/drawing/2014/main" id="{379FB189-AC29-CE9B-5F2A-7F0E3C5BF867}"/>
+                <a16:creationId xmlns:a16="http://schemas.microsoft.com/office/drawing/2014/main" xmlns="" id="{379FB189-AC29-CE9B-5F2A-7F0E3C5BF867}"/>
               </a:ext>
             </a:extLst>
           </p:cNvPr>
@@ -4203,7 +4203,7 @@
           <p:cNvPr id="5" name="Rectangle 1">
             <a:extLst>
               <a:ext uri="{FF2B5EF4-FFF2-40B4-BE49-F238E27FC236}">
-                <a16:creationId xmlns:a16="http://schemas.microsoft.com/office/drawing/2014/main" id="{05CE050B-37E0-9EB8-0EF4-17AA6F8A957D}"/>
+                <a16:creationId xmlns:a16="http://schemas.microsoft.com/office/drawing/2014/main" xmlns="" id="{05CE050B-37E0-9EB8-0EF4-17AA6F8A957D}"/>
               </a:ext>
             </a:extLst>
           </p:cNvPr>
@@ -4272,7 +4272,7 @@
           <p:cNvPr id="9" name="Table 8">
             <a:extLst>
               <a:ext uri="{FF2B5EF4-FFF2-40B4-BE49-F238E27FC236}">
-                <a16:creationId xmlns:a16="http://schemas.microsoft.com/office/drawing/2014/main" id="{8C4AECD4-8C07-410D-DB0D-27A31231B46A}"/>
+                <a16:creationId xmlns:a16="http://schemas.microsoft.com/office/drawing/2014/main" xmlns="" id="{8C4AECD4-8C07-410D-DB0D-27A31231B46A}"/>
               </a:ext>
             </a:extLst>
           </p:cNvPr>
@@ -4289,7 +4289,7 @@
         </p:nvGraphicFramePr>
         <p:xfrm>
           <a:off x="925689" y="1083735"/>
-          <a:ext cx="10428112" cy="5643515"/>
+          <a:ext cx="10428112" cy="6403946"/>
         </p:xfrm>
         <a:graphic>
           <a:graphicData uri="http://schemas.openxmlformats.org/drawingml/2006/table">
@@ -4301,56 +4301,56 @@
                 <a:gridCol w="1303514">
                   <a:extLst>
                     <a:ext uri="{9D8B030D-6E8A-4147-A177-3AD203B41FA5}">
-                      <a16:colId xmlns:a16="http://schemas.microsoft.com/office/drawing/2014/main" val="3443001250"/>
+                      <a16:colId xmlns:a16="http://schemas.microsoft.com/office/drawing/2014/main" xmlns="" val="3443001250"/>
                     </a:ext>
                   </a:extLst>
                 </a:gridCol>
                 <a:gridCol w="1303514">
                   <a:extLst>
                     <a:ext uri="{9D8B030D-6E8A-4147-A177-3AD203B41FA5}">
-                      <a16:colId xmlns:a16="http://schemas.microsoft.com/office/drawing/2014/main" val="3705557545"/>
+                      <a16:colId xmlns:a16="http://schemas.microsoft.com/office/drawing/2014/main" xmlns="" val="3705557545"/>
                     </a:ext>
                   </a:extLst>
                 </a:gridCol>
                 <a:gridCol w="1303514">
                   <a:extLst>
                     <a:ext uri="{9D8B030D-6E8A-4147-A177-3AD203B41FA5}">
-                      <a16:colId xmlns:a16="http://schemas.microsoft.com/office/drawing/2014/main" val="3224255905"/>
+                      <a16:colId xmlns:a16="http://schemas.microsoft.com/office/drawing/2014/main" xmlns="" val="3224255905"/>
                     </a:ext>
                   </a:extLst>
                 </a:gridCol>
                 <a:gridCol w="1303514">
                   <a:extLst>
                     <a:ext uri="{9D8B030D-6E8A-4147-A177-3AD203B41FA5}">
-                      <a16:colId xmlns:a16="http://schemas.microsoft.com/office/drawing/2014/main" val="1445003763"/>
+                      <a16:colId xmlns:a16="http://schemas.microsoft.com/office/drawing/2014/main" xmlns="" val="1445003763"/>
                     </a:ext>
                   </a:extLst>
                 </a:gridCol>
                 <a:gridCol w="1303514">
                   <a:extLst>
                     <a:ext uri="{9D8B030D-6E8A-4147-A177-3AD203B41FA5}">
-                      <a16:colId xmlns:a16="http://schemas.microsoft.com/office/drawing/2014/main" val="1238251953"/>
+                      <a16:colId xmlns:a16="http://schemas.microsoft.com/office/drawing/2014/main" xmlns="" val="1238251953"/>
                     </a:ext>
                   </a:extLst>
                 </a:gridCol>
                 <a:gridCol w="1303514">
                   <a:extLst>
                     <a:ext uri="{9D8B030D-6E8A-4147-A177-3AD203B41FA5}">
-                      <a16:colId xmlns:a16="http://schemas.microsoft.com/office/drawing/2014/main" val="831037655"/>
+                      <a16:colId xmlns:a16="http://schemas.microsoft.com/office/drawing/2014/main" xmlns="" val="831037655"/>
                     </a:ext>
                   </a:extLst>
                 </a:gridCol>
                 <a:gridCol w="1303514">
                   <a:extLst>
                     <a:ext uri="{9D8B030D-6E8A-4147-A177-3AD203B41FA5}">
-                      <a16:colId xmlns:a16="http://schemas.microsoft.com/office/drawing/2014/main" val="2191894647"/>
+                      <a16:colId xmlns:a16="http://schemas.microsoft.com/office/drawing/2014/main" xmlns="" val="2191894647"/>
                     </a:ext>
                   </a:extLst>
                 </a:gridCol>
                 <a:gridCol w="1303514">
                   <a:extLst>
                     <a:ext uri="{9D8B030D-6E8A-4147-A177-3AD203B41FA5}">
-                      <a16:colId xmlns:a16="http://schemas.microsoft.com/office/drawing/2014/main" val="1275531032"/>
+                      <a16:colId xmlns:a16="http://schemas.microsoft.com/office/drawing/2014/main" xmlns="" val="1275531032"/>
                     </a:ext>
                   </a:extLst>
                 </a:gridCol>
@@ -4518,7 +4518,7 @@
                 </a:tc>
                 <a:extLst>
                   <a:ext uri="{0D108BD9-81ED-4DB2-BD59-A6C34878D82A}">
-                    <a16:rowId xmlns:a16="http://schemas.microsoft.com/office/drawing/2014/main" val="1059361964"/>
+                    <a16:rowId xmlns:a16="http://schemas.microsoft.com/office/drawing/2014/main" xmlns="" val="1059361964"/>
                   </a:ext>
                 </a:extLst>
               </a:tr>
@@ -4629,7 +4629,7 @@
                 </a:tc>
                 <a:extLst>
                   <a:ext uri="{0D108BD9-81ED-4DB2-BD59-A6C34878D82A}">
-                    <a16:rowId xmlns:a16="http://schemas.microsoft.com/office/drawing/2014/main" val="3174796392"/>
+                    <a16:rowId xmlns:a16="http://schemas.microsoft.com/office/drawing/2014/main" xmlns="" val="3174796392"/>
                   </a:ext>
                 </a:extLst>
               </a:tr>
@@ -4740,7 +4740,7 @@
                 </a:tc>
                 <a:extLst>
                   <a:ext uri="{0D108BD9-81ED-4DB2-BD59-A6C34878D82A}">
-                    <a16:rowId xmlns:a16="http://schemas.microsoft.com/office/drawing/2014/main" val="2788187076"/>
+                    <a16:rowId xmlns:a16="http://schemas.microsoft.com/office/drawing/2014/main" xmlns="" val="2788187076"/>
                   </a:ext>
                 </a:extLst>
               </a:tr>
@@ -4851,7 +4851,7 @@
                 </a:tc>
                 <a:extLst>
                   <a:ext uri="{0D108BD9-81ED-4DB2-BD59-A6C34878D82A}">
-                    <a16:rowId xmlns:a16="http://schemas.microsoft.com/office/drawing/2014/main" val="2477568942"/>
+                    <a16:rowId xmlns:a16="http://schemas.microsoft.com/office/drawing/2014/main" xmlns="" val="2477568942"/>
                   </a:ext>
                 </a:extLst>
               </a:tr>
@@ -4962,7 +4962,7 @@
                 </a:tc>
                 <a:extLst>
                   <a:ext uri="{0D108BD9-81ED-4DB2-BD59-A6C34878D82A}">
-                    <a16:rowId xmlns:a16="http://schemas.microsoft.com/office/drawing/2014/main" val="1263607918"/>
+                    <a16:rowId xmlns:a16="http://schemas.microsoft.com/office/drawing/2014/main" xmlns="" val="1263607918"/>
                   </a:ext>
                 </a:extLst>
               </a:tr>
@@ -5073,7 +5073,7 @@
                 </a:tc>
                 <a:extLst>
                   <a:ext uri="{0D108BD9-81ED-4DB2-BD59-A6C34878D82A}">
-                    <a16:rowId xmlns:a16="http://schemas.microsoft.com/office/drawing/2014/main" val="1140691703"/>
+                    <a16:rowId xmlns:a16="http://schemas.microsoft.com/office/drawing/2014/main" xmlns="" val="1140691703"/>
                   </a:ext>
                 </a:extLst>
               </a:tr>
@@ -5184,7 +5184,7 @@
                 </a:tc>
                 <a:extLst>
                   <a:ext uri="{0D108BD9-81ED-4DB2-BD59-A6C34878D82A}">
-                    <a16:rowId xmlns:a16="http://schemas.microsoft.com/office/drawing/2014/main" val="3090296819"/>
+                    <a16:rowId xmlns:a16="http://schemas.microsoft.com/office/drawing/2014/main" xmlns="" val="3090296819"/>
                   </a:ext>
                 </a:extLst>
               </a:tr>
@@ -5295,7 +5295,7 @@
                 </a:tc>
                 <a:extLst>
                   <a:ext uri="{0D108BD9-81ED-4DB2-BD59-A6C34878D82A}">
-                    <a16:rowId xmlns:a16="http://schemas.microsoft.com/office/drawing/2014/main" val="862039209"/>
+                    <a16:rowId xmlns:a16="http://schemas.microsoft.com/office/drawing/2014/main" xmlns="" val="862039209"/>
                   </a:ext>
                 </a:extLst>
               </a:tr>
@@ -5406,7 +5406,7 @@
                 </a:tc>
                 <a:extLst>
                   <a:ext uri="{0D108BD9-81ED-4DB2-BD59-A6C34878D82A}">
-                    <a16:rowId xmlns:a16="http://schemas.microsoft.com/office/drawing/2014/main" val="2168423470"/>
+                    <a16:rowId xmlns:a16="http://schemas.microsoft.com/office/drawing/2014/main" xmlns="" val="2168423470"/>
                   </a:ext>
                 </a:extLst>
               </a:tr>
@@ -5517,7 +5517,7 @@
                 </a:tc>
                 <a:extLst>
                   <a:ext uri="{0D108BD9-81ED-4DB2-BD59-A6C34878D82A}">
-                    <a16:rowId xmlns:a16="http://schemas.microsoft.com/office/drawing/2014/main" val="2948249864"/>
+                    <a16:rowId xmlns:a16="http://schemas.microsoft.com/office/drawing/2014/main" xmlns="" val="2948249864"/>
                   </a:ext>
                 </a:extLst>
               </a:tr>
@@ -5628,7 +5628,7 @@
                 </a:tc>
                 <a:extLst>
                   <a:ext uri="{0D108BD9-81ED-4DB2-BD59-A6C34878D82A}">
-                    <a16:rowId xmlns:a16="http://schemas.microsoft.com/office/drawing/2014/main" val="2596151366"/>
+                    <a16:rowId xmlns:a16="http://schemas.microsoft.com/office/drawing/2014/main" xmlns="" val="2596151366"/>
                   </a:ext>
                 </a:extLst>
               </a:tr>
@@ -5739,7 +5739,7 @@
                 </a:tc>
                 <a:extLst>
                   <a:ext uri="{0D108BD9-81ED-4DB2-BD59-A6C34878D82A}">
-                    <a16:rowId xmlns:a16="http://schemas.microsoft.com/office/drawing/2014/main" val="725832824"/>
+                    <a16:rowId xmlns:a16="http://schemas.microsoft.com/office/drawing/2014/main" xmlns="" val="725832824"/>
                   </a:ext>
                 </a:extLst>
               </a:tr>
@@ -5850,7 +5850,7 @@
                 </a:tc>
                 <a:extLst>
                   <a:ext uri="{0D108BD9-81ED-4DB2-BD59-A6C34878D82A}">
-                    <a16:rowId xmlns:a16="http://schemas.microsoft.com/office/drawing/2014/main" val="2298497439"/>
+                    <a16:rowId xmlns:a16="http://schemas.microsoft.com/office/drawing/2014/main" xmlns="" val="2298497439"/>
                   </a:ext>
                 </a:extLst>
               </a:tr>
@@ -5961,7 +5961,7 @@
                 </a:tc>
                 <a:extLst>
                   <a:ext uri="{0D108BD9-81ED-4DB2-BD59-A6C34878D82A}">
-                    <a16:rowId xmlns:a16="http://schemas.microsoft.com/office/drawing/2014/main" val="111859669"/>
+                    <a16:rowId xmlns:a16="http://schemas.microsoft.com/office/drawing/2014/main" xmlns="" val="111859669"/>
                   </a:ext>
                 </a:extLst>
               </a:tr>
@@ -6072,7 +6072,7 @@
                 </a:tc>
                 <a:extLst>
                   <a:ext uri="{0D108BD9-81ED-4DB2-BD59-A6C34878D82A}">
-                    <a16:rowId xmlns:a16="http://schemas.microsoft.com/office/drawing/2014/main" val="3370279890"/>
+                    <a16:rowId xmlns:a16="http://schemas.microsoft.com/office/drawing/2014/main" xmlns="" val="3370279890"/>
                   </a:ext>
                 </a:extLst>
               </a:tr>
@@ -6183,7 +6183,7 @@
                 </a:tc>
                 <a:extLst>
                   <a:ext uri="{0D108BD9-81ED-4DB2-BD59-A6C34878D82A}">
-                    <a16:rowId xmlns:a16="http://schemas.microsoft.com/office/drawing/2014/main" val="2556007991"/>
+                    <a16:rowId xmlns:a16="http://schemas.microsoft.com/office/drawing/2014/main" xmlns="" val="2556007991"/>
                   </a:ext>
                 </a:extLst>
               </a:tr>
@@ -6294,7 +6294,7 @@
                 </a:tc>
                 <a:extLst>
                   <a:ext uri="{0D108BD9-81ED-4DB2-BD59-A6C34878D82A}">
-                    <a16:rowId xmlns:a16="http://schemas.microsoft.com/office/drawing/2014/main" val="499371943"/>
+                    <a16:rowId xmlns:a16="http://schemas.microsoft.com/office/drawing/2014/main" xmlns="" val="499371943"/>
                   </a:ext>
                 </a:extLst>
               </a:tr>
@@ -6405,7 +6405,7 @@
                 </a:tc>
                 <a:extLst>
                   <a:ext uri="{0D108BD9-81ED-4DB2-BD59-A6C34878D82A}">
-                    <a16:rowId xmlns:a16="http://schemas.microsoft.com/office/drawing/2014/main" val="3859265320"/>
+                    <a16:rowId xmlns:a16="http://schemas.microsoft.com/office/drawing/2014/main" xmlns="" val="3859265320"/>
                   </a:ext>
                 </a:extLst>
               </a:tr>
@@ -6516,7 +6516,7 @@
                 </a:tc>
                 <a:extLst>
                   <a:ext uri="{0D108BD9-81ED-4DB2-BD59-A6C34878D82A}">
-                    <a16:rowId xmlns:a16="http://schemas.microsoft.com/office/drawing/2014/main" val="4010600945"/>
+                    <a16:rowId xmlns:a16="http://schemas.microsoft.com/office/drawing/2014/main" xmlns="" val="4010600945"/>
                   </a:ext>
                 </a:extLst>
               </a:tr>
@@ -6627,7 +6627,7 @@
                 </a:tc>
                 <a:extLst>
                   <a:ext uri="{0D108BD9-81ED-4DB2-BD59-A6C34878D82A}">
-                    <a16:rowId xmlns:a16="http://schemas.microsoft.com/office/drawing/2014/main" val="303220999"/>
+                    <a16:rowId xmlns:a16="http://schemas.microsoft.com/office/drawing/2014/main" xmlns="" val="303220999"/>
                   </a:ext>
                 </a:extLst>
               </a:tr>
@@ -6738,7 +6738,7 @@
                 </a:tc>
                 <a:extLst>
                   <a:ext uri="{0D108BD9-81ED-4DB2-BD59-A6C34878D82A}">
-                    <a16:rowId xmlns:a16="http://schemas.microsoft.com/office/drawing/2014/main" val="3061101578"/>
+                    <a16:rowId xmlns:a16="http://schemas.microsoft.com/office/drawing/2014/main" xmlns="" val="3061101578"/>
                   </a:ext>
                 </a:extLst>
               </a:tr>
@@ -6849,7 +6849,7 @@
                 </a:tc>
                 <a:extLst>
                   <a:ext uri="{0D108BD9-81ED-4DB2-BD59-A6C34878D82A}">
-                    <a16:rowId xmlns:a16="http://schemas.microsoft.com/office/drawing/2014/main" val="3687204549"/>
+                    <a16:rowId xmlns:a16="http://schemas.microsoft.com/office/drawing/2014/main" xmlns="" val="3687204549"/>
                   </a:ext>
                 </a:extLst>
               </a:tr>
@@ -6960,7 +6960,7 @@
                 </a:tc>
                 <a:extLst>
                   <a:ext uri="{0D108BD9-81ED-4DB2-BD59-A6C34878D82A}">
-                    <a16:rowId xmlns:a16="http://schemas.microsoft.com/office/drawing/2014/main" val="3649998551"/>
+                    <a16:rowId xmlns:a16="http://schemas.microsoft.com/office/drawing/2014/main" xmlns="" val="3649998551"/>
                   </a:ext>
                 </a:extLst>
               </a:tr>
@@ -7003,7 +7003,7 @@
           <p:cNvPr id="2" name="Title 1">
             <a:extLst>
               <a:ext uri="{FF2B5EF4-FFF2-40B4-BE49-F238E27FC236}">
-                <a16:creationId xmlns:a16="http://schemas.microsoft.com/office/drawing/2014/main" id="{9D074DD9-FBB6-41CF-84BD-C68281CF6674}"/>
+                <a16:creationId xmlns:a16="http://schemas.microsoft.com/office/drawing/2014/main" xmlns="" id="{9D074DD9-FBB6-41CF-84BD-C68281CF6674}"/>
               </a:ext>
             </a:extLst>
           </p:cNvPr>
@@ -7038,7 +7038,7 @@
           <p:cNvPr id="4" name="Content Placeholder 3">
             <a:extLst>
               <a:ext uri="{FF2B5EF4-FFF2-40B4-BE49-F238E27FC236}">
-                <a16:creationId xmlns:a16="http://schemas.microsoft.com/office/drawing/2014/main" id="{A317C2A1-A3CD-BB78-BC22-804BB15F5FC4}"/>
+                <a16:creationId xmlns:a16="http://schemas.microsoft.com/office/drawing/2014/main" xmlns="" id="{A317C2A1-A3CD-BB78-BC22-804BB15F5FC4}"/>
               </a:ext>
             </a:extLst>
           </p:cNvPr>
@@ -7070,7 +7070,7 @@
           <p:cNvPr id="5" name="TextBox 4">
             <a:extLst>
               <a:ext uri="{FF2B5EF4-FFF2-40B4-BE49-F238E27FC236}">
-                <a16:creationId xmlns:a16="http://schemas.microsoft.com/office/drawing/2014/main" id="{8BC3575D-3341-6A16-E86A-6E6C5BDC1B35}"/>
+                <a16:creationId xmlns:a16="http://schemas.microsoft.com/office/drawing/2014/main" xmlns="" id="{8BC3575D-3341-6A16-E86A-6E6C5BDC1B35}"/>
               </a:ext>
             </a:extLst>
           </p:cNvPr>
@@ -7105,7 +7105,7 @@
           <p:cNvPr id="6" name="Picture 5">
             <a:extLst>
               <a:ext uri="{FF2B5EF4-FFF2-40B4-BE49-F238E27FC236}">
-                <a16:creationId xmlns:a16="http://schemas.microsoft.com/office/drawing/2014/main" id="{4FF0D74C-A784-CCCA-6735-CA51182C8D9F}"/>
+                <a16:creationId xmlns:a16="http://schemas.microsoft.com/office/drawing/2014/main" xmlns="" id="{4FF0D74C-A784-CCCA-6735-CA51182C8D9F}"/>
               </a:ext>
             </a:extLst>
           </p:cNvPr>
@@ -7135,7 +7135,7 @@
           <p:cNvPr id="7" name="TextBox 6">
             <a:extLst>
               <a:ext uri="{FF2B5EF4-FFF2-40B4-BE49-F238E27FC236}">
-                <a16:creationId xmlns:a16="http://schemas.microsoft.com/office/drawing/2014/main" id="{3616B964-ECC8-9183-5E07-17E60562B71F}"/>
+                <a16:creationId xmlns:a16="http://schemas.microsoft.com/office/drawing/2014/main" xmlns="" id="{3616B964-ECC8-9183-5E07-17E60562B71F}"/>
               </a:ext>
             </a:extLst>
           </p:cNvPr>
@@ -7200,7 +7200,7 @@
           <p:cNvPr id="4" name="Content Placeholder 3">
             <a:extLst>
               <a:ext uri="{FF2B5EF4-FFF2-40B4-BE49-F238E27FC236}">
-                <a16:creationId xmlns:a16="http://schemas.microsoft.com/office/drawing/2014/main" id="{BC53F61C-E08B-9BD7-C346-ED3A72CFA393}"/>
+                <a16:creationId xmlns:a16="http://schemas.microsoft.com/office/drawing/2014/main" xmlns="" id="{BC53F61C-E08B-9BD7-C346-ED3A72CFA393}"/>
               </a:ext>
             </a:extLst>
           </p:cNvPr>
@@ -7232,7 +7232,7 @@
           <p:cNvPr id="5" name="TextBox 4">
             <a:extLst>
               <a:ext uri="{FF2B5EF4-FFF2-40B4-BE49-F238E27FC236}">
-                <a16:creationId xmlns:a16="http://schemas.microsoft.com/office/drawing/2014/main" id="{F501F347-E05E-FB8E-2CBC-445FE85C2CED}"/>
+                <a16:creationId xmlns:a16="http://schemas.microsoft.com/office/drawing/2014/main" xmlns="" id="{F501F347-E05E-FB8E-2CBC-445FE85C2CED}"/>
               </a:ext>
             </a:extLst>
           </p:cNvPr>
@@ -7267,7 +7267,7 @@
           <p:cNvPr id="6" name="Picture 5">
             <a:extLst>
               <a:ext uri="{FF2B5EF4-FFF2-40B4-BE49-F238E27FC236}">
-                <a16:creationId xmlns:a16="http://schemas.microsoft.com/office/drawing/2014/main" id="{F5C414D8-66AA-1F65-CA5B-B7B28B268E74}"/>
+                <a16:creationId xmlns:a16="http://schemas.microsoft.com/office/drawing/2014/main" xmlns="" id="{F5C414D8-66AA-1F65-CA5B-B7B28B268E74}"/>
               </a:ext>
             </a:extLst>
           </p:cNvPr>
@@ -7297,7 +7297,7 @@
           <p:cNvPr id="7" name="TextBox 6">
             <a:extLst>
               <a:ext uri="{FF2B5EF4-FFF2-40B4-BE49-F238E27FC236}">
-                <a16:creationId xmlns:a16="http://schemas.microsoft.com/office/drawing/2014/main" id="{86D96BA6-E38F-DDC3-6741-C4C860C11A2B}"/>
+                <a16:creationId xmlns:a16="http://schemas.microsoft.com/office/drawing/2014/main" xmlns="" id="{86D96BA6-E38F-DDC3-6741-C4C860C11A2B}"/>
               </a:ext>
             </a:extLst>
           </p:cNvPr>
@@ -7362,7 +7362,7 @@
           <p:cNvPr id="2" name="Title 1">
             <a:extLst>
               <a:ext uri="{FF2B5EF4-FFF2-40B4-BE49-F238E27FC236}">
-                <a16:creationId xmlns:a16="http://schemas.microsoft.com/office/drawing/2014/main" id="{E8861320-9A63-50C4-C285-8854D70DB36F}"/>
+                <a16:creationId xmlns:a16="http://schemas.microsoft.com/office/drawing/2014/main" xmlns="" id="{E8861320-9A63-50C4-C285-8854D70DB36F}"/>
               </a:ext>
             </a:extLst>
           </p:cNvPr>
@@ -7390,7 +7390,7 @@
           <p:cNvPr id="3" name="Content Placeholder 2">
             <a:extLst>
               <a:ext uri="{FF2B5EF4-FFF2-40B4-BE49-F238E27FC236}">
-                <a16:creationId xmlns:a16="http://schemas.microsoft.com/office/drawing/2014/main" id="{4B3CADEA-6B62-B5C3-C12F-0FBAE259862E}"/>
+                <a16:creationId xmlns:a16="http://schemas.microsoft.com/office/drawing/2014/main" xmlns="" id="{4B3CADEA-6B62-B5C3-C12F-0FBAE259862E}"/>
               </a:ext>
             </a:extLst>
           </p:cNvPr>
@@ -7404,7 +7404,7 @@
         <p:spPr/>
         <p:txBody>
           <a:bodyPr>
-            <a:normAutofit/>
+            <a:normAutofit fontScale="92500" lnSpcReduction="20000"/>
           </a:bodyPr>
           <a:lstStyle/>
           <a:p>
@@ -7646,7 +7646,7 @@
           <p:cNvPr id="2" name="Title 1">
             <a:extLst>
               <a:ext uri="{FF2B5EF4-FFF2-40B4-BE49-F238E27FC236}">
-                <a16:creationId xmlns:a16="http://schemas.microsoft.com/office/drawing/2014/main" id="{D797B5F8-D866-1DB4-3C67-58008C5A7CD9}"/>
+                <a16:creationId xmlns:a16="http://schemas.microsoft.com/office/drawing/2014/main" xmlns="" id="{D797B5F8-D866-1DB4-3C67-58008C5A7CD9}"/>
               </a:ext>
             </a:extLst>
           </p:cNvPr>
@@ -7712,7 +7712,7 @@
           <p:cNvPr id="2" name="Title 1">
             <a:extLst>
               <a:ext uri="{FF2B5EF4-FFF2-40B4-BE49-F238E27FC236}">
-                <a16:creationId xmlns:a16="http://schemas.microsoft.com/office/drawing/2014/main" id="{1CC8D1C1-E3BB-C738-8B9B-A91799801EBE}"/>
+                <a16:creationId xmlns:a16="http://schemas.microsoft.com/office/drawing/2014/main" xmlns="" id="{1CC8D1C1-E3BB-C738-8B9B-A91799801EBE}"/>
               </a:ext>
             </a:extLst>
           </p:cNvPr>
@@ -7751,7 +7751,7 @@
           <p:cNvPr id="3" name="Content Placeholder 2">
             <a:extLst>
               <a:ext uri="{FF2B5EF4-FFF2-40B4-BE49-F238E27FC236}">
-                <a16:creationId xmlns:a16="http://schemas.microsoft.com/office/drawing/2014/main" id="{7B366382-40DB-EA38-516B-A99FB1B7DE67}"/>
+                <a16:creationId xmlns:a16="http://schemas.microsoft.com/office/drawing/2014/main" xmlns="" id="{7B366382-40DB-EA38-516B-A99FB1B7DE67}"/>
               </a:ext>
             </a:extLst>
           </p:cNvPr>
@@ -7847,7 +7847,7 @@
           <p:cNvPr id="2" name="Title 1">
             <a:extLst>
               <a:ext uri="{FF2B5EF4-FFF2-40B4-BE49-F238E27FC236}">
-                <a16:creationId xmlns:a16="http://schemas.microsoft.com/office/drawing/2014/main" id="{915642A6-F1FA-E503-7162-8D44C859AEC4}"/>
+                <a16:creationId xmlns:a16="http://schemas.microsoft.com/office/drawing/2014/main" xmlns="" id="{915642A6-F1FA-E503-7162-8D44C859AEC4}"/>
               </a:ext>
             </a:extLst>
           </p:cNvPr>
@@ -7881,7 +7881,7 @@
           <p:cNvPr id="3" name="Content Placeholder 2">
             <a:extLst>
               <a:ext uri="{FF2B5EF4-FFF2-40B4-BE49-F238E27FC236}">
-                <a16:creationId xmlns:a16="http://schemas.microsoft.com/office/drawing/2014/main" id="{B5ADB8ED-7901-BD82-6943-BA2DEE068E19}"/>
+                <a16:creationId xmlns:a16="http://schemas.microsoft.com/office/drawing/2014/main" xmlns="" id="{B5ADB8ED-7901-BD82-6943-BA2DEE068E19}"/>
               </a:ext>
             </a:extLst>
           </p:cNvPr>
@@ -8189,7 +8189,7 @@
           <p:cNvPr id="2" name="Title 1">
             <a:extLst>
               <a:ext uri="{FF2B5EF4-FFF2-40B4-BE49-F238E27FC236}">
-                <a16:creationId xmlns:a16="http://schemas.microsoft.com/office/drawing/2014/main" id="{EBEDB288-8A9A-3A7A-312B-8454300142C5}"/>
+                <a16:creationId xmlns:a16="http://schemas.microsoft.com/office/drawing/2014/main" xmlns="" id="{EBEDB288-8A9A-3A7A-312B-8454300142C5}"/>
               </a:ext>
             </a:extLst>
           </p:cNvPr>
@@ -8223,7 +8223,7 @@
           <p:cNvPr id="3" name="Content Placeholder 2">
             <a:extLst>
               <a:ext uri="{FF2B5EF4-FFF2-40B4-BE49-F238E27FC236}">
-                <a16:creationId xmlns:a16="http://schemas.microsoft.com/office/drawing/2014/main" id="{8942F2A3-E0AE-0DD1-1E18-523D3A6E7E62}"/>
+                <a16:creationId xmlns:a16="http://schemas.microsoft.com/office/drawing/2014/main" xmlns="" id="{8942F2A3-E0AE-0DD1-1E18-523D3A6E7E62}"/>
               </a:ext>
             </a:extLst>
           </p:cNvPr>
@@ -8545,7 +8545,7 @@
           <p:cNvPr id="2" name="Title 1">
             <a:extLst>
               <a:ext uri="{FF2B5EF4-FFF2-40B4-BE49-F238E27FC236}">
-                <a16:creationId xmlns:a16="http://schemas.microsoft.com/office/drawing/2014/main" id="{2E2DBB06-B0FC-3531-BBCF-F7E940A30047}"/>
+                <a16:creationId xmlns:a16="http://schemas.microsoft.com/office/drawing/2014/main" xmlns="" id="{2E2DBB06-B0FC-3531-BBCF-F7E940A30047}"/>
               </a:ext>
             </a:extLst>
           </p:cNvPr>
@@ -8590,7 +8590,7 @@
           <p:cNvPr id="3" name="Content Placeholder 2">
             <a:extLst>
               <a:ext uri="{FF2B5EF4-FFF2-40B4-BE49-F238E27FC236}">
-                <a16:creationId xmlns:a16="http://schemas.microsoft.com/office/drawing/2014/main" id="{C4F1041C-2909-5A9D-6A2A-85294CF56E63}"/>
+                <a16:creationId xmlns:a16="http://schemas.microsoft.com/office/drawing/2014/main" xmlns="" id="{C4F1041C-2909-5A9D-6A2A-85294CF56E63}"/>
               </a:ext>
             </a:extLst>
           </p:cNvPr>
@@ -8656,10 +8656,10 @@
                 <a:ea typeface="Aptos" panose="020B0004020202020204" pitchFamily="34" charset="0"/>
                 <a:cs typeface="Times New Roman" panose="02020603050405020304" pitchFamily="18" charset="0"/>
               </a:rPr>
-              <a:t>Ensure the customer email follows standard email format (e.g., </a:t>
-            </a:r>
-            <a:r>
-              <a:rPr lang="en-US" sz="1800" kern="100" dirty="0" err="1">
+              <a:t>Ensure the customer email </a:t>
+            </a:r>
+            <a:r>
+              <a:rPr lang="en-US" sz="1800" kern="100" dirty="0" smtClean="0">
                 <a:solidFill>
                   <a:srgbClr val="2D3B45"/>
                 </a:solidFill>
@@ -8668,7 +8668,7 @@
                 <a:ea typeface="Aptos" panose="020B0004020202020204" pitchFamily="34" charset="0"/>
                 <a:cs typeface="Times New Roman" panose="02020603050405020304" pitchFamily="18" charset="0"/>
               </a:rPr>
-              <a:t>example@domain.com</a:t>
+              <a:t>should </a:t>
             </a:r>
             <a:r>
               <a:rPr lang="en-US" sz="1800" kern="100" dirty="0">
@@ -8680,7 +8680,19 @@
                 <a:ea typeface="Aptos" panose="020B0004020202020204" pitchFamily="34" charset="0"/>
                 <a:cs typeface="Times New Roman" panose="02020603050405020304" pitchFamily="18" charset="0"/>
               </a:rPr>
-              <a:t>), and should not be empty.</a:t>
+              <a:t>not be empty</a:t>
+            </a:r>
+            <a:r>
+              <a:rPr lang="en-US" sz="1800" kern="100" dirty="0" smtClean="0">
+                <a:solidFill>
+                  <a:srgbClr val="2D3B45"/>
+                </a:solidFill>
+                <a:effectLst/>
+                <a:latin typeface="Times New Roman" panose="02020603050405020304" pitchFamily="18" charset="0"/>
+                <a:ea typeface="Aptos" panose="020B0004020202020204" pitchFamily="34" charset="0"/>
+                <a:cs typeface="Times New Roman" panose="02020603050405020304" pitchFamily="18" charset="0"/>
+              </a:rPr>
+              <a:t>.</a:t>
             </a:r>
             <a:endParaRPr lang="en-US" sz="1800" kern="100" dirty="0">
               <a:effectLst/>
@@ -8710,7 +8722,7 @@
                 <a:ea typeface="Aptos" panose="020B0004020202020204" pitchFamily="34" charset="0"/>
                 <a:cs typeface="Times New Roman" panose="02020603050405020304" pitchFamily="18" charset="0"/>
               </a:rPr>
-              <a:t>Check that the selling price does not exceed the maximum retail price when updating product prices.</a:t>
+              <a:t>When inventory for a product reaches the reorder level, a notification or alert should trigger the auto-order process.</a:t>
             </a:r>
             <a:endParaRPr lang="en-US" sz="1800" kern="100" dirty="0">
               <a:effectLst/>
@@ -8740,7 +8752,7 @@
                 <a:ea typeface="Aptos" panose="020B0004020202020204" pitchFamily="34" charset="0"/>
                 <a:cs typeface="Times New Roman" panose="02020603050405020304" pitchFamily="18" charset="0"/>
               </a:rPr>
-              <a:t>When inventory for a product reaches the reorder level, a notification or alert should trigger the auto-order process.</a:t>
+              <a:t>Ensure that any form submission for customer details enforces mandatory fields (first name, last name, email).</a:t>
             </a:r>
             <a:endParaRPr lang="en-US" sz="1800" kern="100" dirty="0">
               <a:effectLst/>
@@ -8770,39 +8782,9 @@
                 <a:ea typeface="Aptos" panose="020B0004020202020204" pitchFamily="34" charset="0"/>
                 <a:cs typeface="Times New Roman" panose="02020603050405020304" pitchFamily="18" charset="0"/>
               </a:rPr>
-              <a:t>Ensure that any form submission for customer details enforces mandatory fields (first name, last name, email).</a:t>
+              <a:t>Non-negative integer stock levels and product price.</a:t>
             </a:r>
             <a:endParaRPr lang="en-US" sz="1800" kern="100" dirty="0">
-              <a:effectLst/>
-              <a:latin typeface="Aptos" panose="020B0004020202020204" pitchFamily="34" charset="0"/>
-              <a:ea typeface="Aptos" panose="020B0004020202020204" pitchFamily="34" charset="0"/>
-              <a:cs typeface="Times New Roman" panose="02020603050405020304" pitchFamily="18" charset="0"/>
-            </a:endParaRPr>
-          </a:p>
-          <a:p>
-            <a:pPr marL="342900" marR="0" lvl="0" indent="-342900" algn="just">
-              <a:spcBef>
-                <a:spcPts val="0"/>
-              </a:spcBef>
-              <a:spcAft>
-                <a:spcPts val="0"/>
-              </a:spcAft>
-              <a:buFont typeface="+mj-lt"/>
-              <a:buAutoNum type="arabicPeriod"/>
-            </a:pPr>
-            <a:r>
-              <a:rPr lang="en-US" sz="1800" kern="100">
-                <a:solidFill>
-                  <a:srgbClr val="2D3B45"/>
-                </a:solidFill>
-                <a:effectLst/>
-                <a:latin typeface="Times New Roman" panose="02020603050405020304" pitchFamily="18" charset="0"/>
-                <a:ea typeface="Aptos" panose="020B0004020202020204" pitchFamily="34" charset="0"/>
-                <a:cs typeface="Times New Roman" panose="02020603050405020304" pitchFamily="18" charset="0"/>
-              </a:rPr>
-              <a:t>Non-negative integer stock levels and product price.</a:t>
-            </a:r>
-            <a:endParaRPr lang="en-US" sz="1800" kern="100">
               <a:effectLst/>
               <a:latin typeface="Aptos" panose="020B0004020202020204" pitchFamily="34" charset="0"/>
               <a:ea typeface="Aptos" panose="020B0004020202020204" pitchFamily="34" charset="0"/>
@@ -8846,7 +8828,7 @@
           <p:cNvPr id="2" name="Title 1">
             <a:extLst>
               <a:ext uri="{FF2B5EF4-FFF2-40B4-BE49-F238E27FC236}">
-                <a16:creationId xmlns:a16="http://schemas.microsoft.com/office/drawing/2014/main" id="{4F68BAF1-6DC0-1418-A99B-91B50CE24529}"/>
+                <a16:creationId xmlns:a16="http://schemas.microsoft.com/office/drawing/2014/main" xmlns="" id="{4F68BAF1-6DC0-1418-A99B-91B50CE24529}"/>
               </a:ext>
             </a:extLst>
           </p:cNvPr>
@@ -8885,7 +8867,7 @@
           <p:cNvPr id="5" name="Content Placeholder 4">
             <a:extLst>
               <a:ext uri="{FF2B5EF4-FFF2-40B4-BE49-F238E27FC236}">
-                <a16:creationId xmlns:a16="http://schemas.microsoft.com/office/drawing/2014/main" id="{66E48DF4-5F21-89F6-649C-0F921BAF381A}"/>
+                <a16:creationId xmlns:a16="http://schemas.microsoft.com/office/drawing/2014/main" xmlns="" id="{66E48DF4-5F21-89F6-649C-0F921BAF381A}"/>
               </a:ext>
             </a:extLst>
           </p:cNvPr>
@@ -8910,7 +8892,7 @@
           <p:cNvPr id="7" name="Picture 6">
             <a:extLst>
               <a:ext uri="{FF2B5EF4-FFF2-40B4-BE49-F238E27FC236}">
-                <a16:creationId xmlns:a16="http://schemas.microsoft.com/office/drawing/2014/main" id="{19A7A026-972B-236B-2638-73C0635A55BB}"/>
+                <a16:creationId xmlns:a16="http://schemas.microsoft.com/office/drawing/2014/main" xmlns="" id="{19A7A026-972B-236B-2638-73C0635A55BB}"/>
               </a:ext>
             </a:extLst>
           </p:cNvPr>
@@ -8970,7 +8952,7 @@
           <p:cNvPr id="2" name="Title 1">
             <a:extLst>
               <a:ext uri="{FF2B5EF4-FFF2-40B4-BE49-F238E27FC236}">
-                <a16:creationId xmlns:a16="http://schemas.microsoft.com/office/drawing/2014/main" id="{D90DC6C5-39C7-12FA-7F55-F0000EFF3FE3}"/>
+                <a16:creationId xmlns:a16="http://schemas.microsoft.com/office/drawing/2014/main" xmlns="" id="{D90DC6C5-39C7-12FA-7F55-F0000EFF3FE3}"/>
               </a:ext>
             </a:extLst>
           </p:cNvPr>
@@ -8998,7 +8980,7 @@
           <p:cNvPr id="3" name="Content Placeholder 2">
             <a:extLst>
               <a:ext uri="{FF2B5EF4-FFF2-40B4-BE49-F238E27FC236}">
-                <a16:creationId xmlns:a16="http://schemas.microsoft.com/office/drawing/2014/main" id="{91AA284C-3B60-3555-0B96-4C2C1739154F}"/>
+                <a16:creationId xmlns:a16="http://schemas.microsoft.com/office/drawing/2014/main" xmlns="" id="{91AA284C-3B60-3555-0B96-4C2C1739154F}"/>
               </a:ext>
             </a:extLst>
           </p:cNvPr>
@@ -9119,7 +9101,7 @@
           <p:cNvPr id="2" name="Title 1">
             <a:extLst>
               <a:ext uri="{FF2B5EF4-FFF2-40B4-BE49-F238E27FC236}">
-                <a16:creationId xmlns:a16="http://schemas.microsoft.com/office/drawing/2014/main" id="{0FC72300-FD39-EA55-8AEC-AE48747F57B7}"/>
+                <a16:creationId xmlns:a16="http://schemas.microsoft.com/office/drawing/2014/main" xmlns="" id="{0FC72300-FD39-EA55-8AEC-AE48747F57B7}"/>
               </a:ext>
             </a:extLst>
           </p:cNvPr>
@@ -9156,7 +9138,7 @@
           <p:cNvPr id="6" name="Content Placeholder 5">
             <a:extLst>
               <a:ext uri="{FF2B5EF4-FFF2-40B4-BE49-F238E27FC236}">
-                <a16:creationId xmlns:a16="http://schemas.microsoft.com/office/drawing/2014/main" id="{27FE9521-51EC-D343-744C-C6CD1226DCE7}"/>
+                <a16:creationId xmlns:a16="http://schemas.microsoft.com/office/drawing/2014/main" xmlns="" id="{27FE9521-51EC-D343-744C-C6CD1226DCE7}"/>
               </a:ext>
             </a:extLst>
           </p:cNvPr>
@@ -9186,21 +9168,21 @@
                 <a:gridCol w="3505200">
                   <a:extLst>
                     <a:ext uri="{9D8B030D-6E8A-4147-A177-3AD203B41FA5}">
-                      <a16:colId xmlns:a16="http://schemas.microsoft.com/office/drawing/2014/main" val="2044712195"/>
+                      <a16:colId xmlns:a16="http://schemas.microsoft.com/office/drawing/2014/main" xmlns="" val="2044712195"/>
                     </a:ext>
                   </a:extLst>
                 </a:gridCol>
                 <a:gridCol w="3505200">
                   <a:extLst>
                     <a:ext uri="{9D8B030D-6E8A-4147-A177-3AD203B41FA5}">
-                      <a16:colId xmlns:a16="http://schemas.microsoft.com/office/drawing/2014/main" val="566251031"/>
+                      <a16:colId xmlns:a16="http://schemas.microsoft.com/office/drawing/2014/main" xmlns="" val="566251031"/>
                     </a:ext>
                   </a:extLst>
                 </a:gridCol>
                 <a:gridCol w="3505200">
                   <a:extLst>
                     <a:ext uri="{9D8B030D-6E8A-4147-A177-3AD203B41FA5}">
-                      <a16:colId xmlns:a16="http://schemas.microsoft.com/office/drawing/2014/main" val="1806581287"/>
+                      <a16:colId xmlns:a16="http://schemas.microsoft.com/office/drawing/2014/main" xmlns="" val="1806581287"/>
                     </a:ext>
                   </a:extLst>
                 </a:gridCol>
@@ -9271,7 +9253,7 @@
                 </a:tc>
                 <a:extLst>
                   <a:ext uri="{0D108BD9-81ED-4DB2-BD59-A6C34878D82A}">
-                    <a16:rowId xmlns:a16="http://schemas.microsoft.com/office/drawing/2014/main" val="859690252"/>
+                    <a16:rowId xmlns:a16="http://schemas.microsoft.com/office/drawing/2014/main" xmlns="" val="859690252"/>
                   </a:ext>
                 </a:extLst>
               </a:tr>
@@ -9318,7 +9300,7 @@
                 </a:tc>
                 <a:extLst>
                   <a:ext uri="{0D108BD9-81ED-4DB2-BD59-A6C34878D82A}">
-                    <a16:rowId xmlns:a16="http://schemas.microsoft.com/office/drawing/2014/main" val="1296784543"/>
+                    <a16:rowId xmlns:a16="http://schemas.microsoft.com/office/drawing/2014/main" xmlns="" val="1296784543"/>
                   </a:ext>
                 </a:extLst>
               </a:tr>
@@ -9365,7 +9347,7 @@
                 </a:tc>
                 <a:extLst>
                   <a:ext uri="{0D108BD9-81ED-4DB2-BD59-A6C34878D82A}">
-                    <a16:rowId xmlns:a16="http://schemas.microsoft.com/office/drawing/2014/main" val="3961339917"/>
+                    <a16:rowId xmlns:a16="http://schemas.microsoft.com/office/drawing/2014/main" xmlns="" val="3961339917"/>
                   </a:ext>
                 </a:extLst>
               </a:tr>
@@ -9412,7 +9394,7 @@
                 </a:tc>
                 <a:extLst>
                   <a:ext uri="{0D108BD9-81ED-4DB2-BD59-A6C34878D82A}">
-                    <a16:rowId xmlns:a16="http://schemas.microsoft.com/office/drawing/2014/main" val="1544986181"/>
+                    <a16:rowId xmlns:a16="http://schemas.microsoft.com/office/drawing/2014/main" xmlns="" val="1544986181"/>
                   </a:ext>
                 </a:extLst>
               </a:tr>
@@ -9459,7 +9441,7 @@
                 </a:tc>
                 <a:extLst>
                   <a:ext uri="{0D108BD9-81ED-4DB2-BD59-A6C34878D82A}">
-                    <a16:rowId xmlns:a16="http://schemas.microsoft.com/office/drawing/2014/main" val="2856697920"/>
+                    <a16:rowId xmlns:a16="http://schemas.microsoft.com/office/drawing/2014/main" xmlns="" val="2856697920"/>
                   </a:ext>
                 </a:extLst>
               </a:tr>
@@ -9506,7 +9488,7 @@
                 </a:tc>
                 <a:extLst>
                   <a:ext uri="{0D108BD9-81ED-4DB2-BD59-A6C34878D82A}">
-                    <a16:rowId xmlns:a16="http://schemas.microsoft.com/office/drawing/2014/main" val="1301143119"/>
+                    <a16:rowId xmlns:a16="http://schemas.microsoft.com/office/drawing/2014/main" xmlns="" val="1301143119"/>
                   </a:ext>
                 </a:extLst>
               </a:tr>
@@ -9553,7 +9535,7 @@
                 </a:tc>
                 <a:extLst>
                   <a:ext uri="{0D108BD9-81ED-4DB2-BD59-A6C34878D82A}">
-                    <a16:rowId xmlns:a16="http://schemas.microsoft.com/office/drawing/2014/main" val="1359096112"/>
+                    <a16:rowId xmlns:a16="http://schemas.microsoft.com/office/drawing/2014/main" xmlns="" val="1359096112"/>
                   </a:ext>
                 </a:extLst>
               </a:tr>
@@ -9600,7 +9582,7 @@
                 </a:tc>
                 <a:extLst>
                   <a:ext uri="{0D108BD9-81ED-4DB2-BD59-A6C34878D82A}">
-                    <a16:rowId xmlns:a16="http://schemas.microsoft.com/office/drawing/2014/main" val="645214900"/>
+                    <a16:rowId xmlns:a16="http://schemas.microsoft.com/office/drawing/2014/main" xmlns="" val="645214900"/>
                   </a:ext>
                 </a:extLst>
               </a:tr>
@@ -9643,7 +9625,7 @@
           <p:cNvPr id="2" name="Title 1">
             <a:extLst>
               <a:ext uri="{FF2B5EF4-FFF2-40B4-BE49-F238E27FC236}">
-                <a16:creationId xmlns:a16="http://schemas.microsoft.com/office/drawing/2014/main" id="{7C46BC8C-3DAB-1EB3-0AAD-AE4151CC3103}"/>
+                <a16:creationId xmlns:a16="http://schemas.microsoft.com/office/drawing/2014/main" xmlns="" id="{7C46BC8C-3DAB-1EB3-0AAD-AE4151CC3103}"/>
               </a:ext>
             </a:extLst>
           </p:cNvPr>
@@ -9671,7 +9653,7 @@
           <p:cNvPr id="6" name="Content Placeholder 5">
             <a:extLst>
               <a:ext uri="{FF2B5EF4-FFF2-40B4-BE49-F238E27FC236}">
-                <a16:creationId xmlns:a16="http://schemas.microsoft.com/office/drawing/2014/main" id="{0A7994DE-1333-C8B1-23BA-380C6CDA2298}"/>
+                <a16:creationId xmlns:a16="http://schemas.microsoft.com/office/drawing/2014/main" xmlns="" id="{0A7994DE-1333-C8B1-23BA-380C6CDA2298}"/>
               </a:ext>
             </a:extLst>
           </p:cNvPr>
